--- a/Clases/[2] Lógica y Control de Flujo.pptx
+++ b/Clases/[2] Lógica y Control de Flujo.pptx
@@ -11,8 +11,8 @@
     <p:sldId id="256" r:id="rId2"/>
     <p:sldId id="272" r:id="rId3"/>
     <p:sldId id="280" r:id="rId4"/>
-    <p:sldId id="259" r:id="rId5"/>
-    <p:sldId id="260" r:id="rId6"/>
+    <p:sldId id="260" r:id="rId5"/>
+    <p:sldId id="259" r:id="rId6"/>
     <p:sldId id="261" r:id="rId7"/>
     <p:sldId id="263" r:id="rId8"/>
     <p:sldId id="267" r:id="rId9"/>
@@ -30,8 +30,8 @@
     <p:sldId id="275" r:id="rId21"/>
     <p:sldId id="277" r:id="rId22"/>
     <p:sldId id="276" r:id="rId23"/>
-    <p:sldId id="281" r:id="rId24"/>
-    <p:sldId id="282" r:id="rId25"/>
+    <p:sldId id="282" r:id="rId24"/>
+    <p:sldId id="281" r:id="rId25"/>
     <p:sldId id="283" r:id="rId26"/>
   </p:sldIdLst>
   <p:sldSz cx="9144000" cy="6858000" type="screen4x3"/>
@@ -533,73 +533,7 @@
           <a:bodyPr/>
           <a:lstStyle/>
           <a:p>
-            <a:r>
-              <a:rPr lang="es-MX" dirty="0" smtClean="0"/>
-              <a:t>Podemos pensar en una </a:t>
-            </a:r>
-            <a:r>
-              <a:rPr lang="es-MX" b="1" dirty="0" smtClean="0"/>
-              <a:t>variable booleana </a:t>
-            </a:r>
-            <a:r>
-              <a:rPr lang="es-MX" dirty="0" smtClean="0"/>
-              <a:t>como algo en donde se almacenan </a:t>
-            </a:r>
-            <a:r>
-              <a:rPr lang="es-MX" u="sng" dirty="0" smtClean="0"/>
-              <a:t>dos estados bien diferenciados</a:t>
-            </a:r>
-            <a:r>
-              <a:rPr lang="es-MX" dirty="0" smtClean="0"/>
-              <a:t>: </a:t>
-            </a:r>
-          </a:p>
-          <a:p>
-            <a:r>
-              <a:rPr lang="es-MX" dirty="0" smtClean="0"/>
-              <a:t>• Blanco o Negro.</a:t>
-            </a:r>
-          </a:p>
-          <a:p>
-            <a:r>
-              <a:rPr lang="es-MX" dirty="0" smtClean="0"/>
-              <a:t>• Prendido o Apagado. </a:t>
-            </a:r>
-          </a:p>
-          <a:p>
-            <a:r>
-              <a:rPr lang="es-MX" dirty="0" smtClean="0"/>
-              <a:t>• Verdadero o Falso. </a:t>
-            </a:r>
-          </a:p>
-          <a:p>
-            <a:r>
-              <a:rPr lang="es-MX" dirty="0" smtClean="0"/>
-              <a:t>• Si o No.</a:t>
-            </a:r>
-            <a:endParaRPr lang="en-US" dirty="0" smtClean="0"/>
-          </a:p>
-          <a:p>
-            <a:endParaRPr lang="es-MX" dirty="0" smtClean="0"/>
-          </a:p>
-          <a:p>
-            <a:r>
-              <a:rPr lang="es-MX" dirty="0" smtClean="0"/>
-              <a:t>Son tipos de datos primitivos</a:t>
-            </a:r>
-            <a:r>
-              <a:rPr lang="es-MX" baseline="0" dirty="0" smtClean="0"/>
-              <a:t> y son </a:t>
-            </a:r>
-            <a:r>
-              <a:rPr lang="es-MX" b="1" baseline="0" dirty="0" smtClean="0"/>
-              <a:t>INMUTABLES </a:t>
-            </a:r>
-            <a:r>
-              <a:rPr lang="es-MX" b="0" baseline="0" dirty="0" smtClean="0"/>
-              <a:t>no pueden ser cambiados.</a:t>
-            </a:r>
-            <a:endParaRPr lang="en-US" b="0" dirty="0"/>
+            <a:endParaRPr lang="en-US" dirty="0"/>
           </a:p>
         </p:txBody>
       </p:sp>
@@ -629,7 +563,7 @@
     </p:spTree>
     <p:extLst>
       <p:ext uri="{BB962C8B-B14F-4D97-AF65-F5344CB8AC3E}">
-        <p14:creationId xmlns:p14="http://schemas.microsoft.com/office/powerpoint/2010/main" val="177116038"/>
+        <p14:creationId xmlns:p14="http://schemas.microsoft.com/office/powerpoint/2010/main" val="3411398568"/>
       </p:ext>
     </p:extLst>
   </p:cSld>
@@ -1601,7 +1535,7 @@
     </p:spTree>
     <p:extLst>
       <p:ext uri="{BB962C8B-B14F-4D97-AF65-F5344CB8AC3E}">
-        <p14:creationId xmlns:p14="http://schemas.microsoft.com/office/powerpoint/2010/main" val="2230788126"/>
+        <p14:creationId xmlns:p14="http://schemas.microsoft.com/office/powerpoint/2010/main" val="33633748"/>
       </p:ext>
     </p:extLst>
   </p:cSld>
@@ -1655,7 +1589,73 @@
           <a:bodyPr/>
           <a:lstStyle/>
           <a:p>
-            <a:endParaRPr lang="en-US" dirty="0"/>
+            <a:r>
+              <a:rPr lang="es-MX" dirty="0" smtClean="0"/>
+              <a:t>Podemos pensar en una </a:t>
+            </a:r>
+            <a:r>
+              <a:rPr lang="es-MX" b="1" dirty="0" smtClean="0"/>
+              <a:t>variable booleana </a:t>
+            </a:r>
+            <a:r>
+              <a:rPr lang="es-MX" dirty="0" smtClean="0"/>
+              <a:t>como algo en donde se almacenan </a:t>
+            </a:r>
+            <a:r>
+              <a:rPr lang="es-MX" u="sng" dirty="0" smtClean="0"/>
+              <a:t>dos estados bien diferenciados</a:t>
+            </a:r>
+            <a:r>
+              <a:rPr lang="es-MX" dirty="0" smtClean="0"/>
+              <a:t>: </a:t>
+            </a:r>
+          </a:p>
+          <a:p>
+            <a:r>
+              <a:rPr lang="es-MX" dirty="0" smtClean="0"/>
+              <a:t>• Blanco o Negro.</a:t>
+            </a:r>
+          </a:p>
+          <a:p>
+            <a:r>
+              <a:rPr lang="es-MX" dirty="0" smtClean="0"/>
+              <a:t>• Prendido o Apagado. </a:t>
+            </a:r>
+          </a:p>
+          <a:p>
+            <a:r>
+              <a:rPr lang="es-MX" dirty="0" smtClean="0"/>
+              <a:t>• Verdadero o Falso. </a:t>
+            </a:r>
+          </a:p>
+          <a:p>
+            <a:r>
+              <a:rPr lang="es-MX" dirty="0" smtClean="0"/>
+              <a:t>• Si o No.</a:t>
+            </a:r>
+            <a:endParaRPr lang="en-US" dirty="0" smtClean="0"/>
+          </a:p>
+          <a:p>
+            <a:endParaRPr lang="es-MX" dirty="0" smtClean="0"/>
+          </a:p>
+          <a:p>
+            <a:r>
+              <a:rPr lang="es-MX" dirty="0" smtClean="0"/>
+              <a:t>Son tipos de datos primitivos</a:t>
+            </a:r>
+            <a:r>
+              <a:rPr lang="es-MX" baseline="0" dirty="0" smtClean="0"/>
+              <a:t> y son </a:t>
+            </a:r>
+            <a:r>
+              <a:rPr lang="es-MX" b="1" baseline="0" dirty="0" smtClean="0"/>
+              <a:t>INMUTABLES </a:t>
+            </a:r>
+            <a:r>
+              <a:rPr lang="es-MX" b="0" baseline="0" dirty="0" smtClean="0"/>
+              <a:t>no pueden ser cambiados.</a:t>
+            </a:r>
+            <a:endParaRPr lang="en-US" b="0" dirty="0"/>
           </a:p>
         </p:txBody>
       </p:sp>
@@ -1685,7 +1685,7 @@
     </p:spTree>
     <p:extLst>
       <p:ext uri="{BB962C8B-B14F-4D97-AF65-F5344CB8AC3E}">
-        <p14:creationId xmlns:p14="http://schemas.microsoft.com/office/powerpoint/2010/main" val="3411398568"/>
+        <p14:creationId xmlns:p14="http://schemas.microsoft.com/office/powerpoint/2010/main" val="177116038"/>
       </p:ext>
     </p:extLst>
   </p:cSld>
@@ -1773,7 +1773,7 @@
     </p:spTree>
     <p:extLst>
       <p:ext uri="{BB962C8B-B14F-4D97-AF65-F5344CB8AC3E}">
-        <p14:creationId xmlns:p14="http://schemas.microsoft.com/office/powerpoint/2010/main" val="33633748"/>
+        <p14:creationId xmlns:p14="http://schemas.microsoft.com/office/powerpoint/2010/main" val="2230788126"/>
       </p:ext>
     </p:extLst>
   </p:cSld>
@@ -6039,19 +6039,7 @@
           <a:p>
             <a:r>
               <a:rPr lang="es-MX" dirty="0" smtClean="0"/>
-              <a:t>Clase </a:t>
-            </a:r>
-            <a:r>
-              <a:rPr lang="es-MX" dirty="0" smtClean="0"/>
-              <a:t>2 </a:t>
-            </a:r>
-            <a:r>
-              <a:rPr lang="es-MX" dirty="0" smtClean="0"/>
-              <a:t>– </a:t>
-            </a:r>
-            <a:r>
-              <a:rPr lang="es-MX" dirty="0" smtClean="0"/>
-              <a:t>Operaciones Lógicas y Control de Flujo.</a:t>
+              <a:t>Clase 2 – Operaciones Lógicas y Control de Flujo.</a:t>
             </a:r>
             <a:endParaRPr lang="en-US" dirty="0"/>
           </a:p>
@@ -6067,6 +6055,13 @@
   <p:clrMapOvr>
     <a:masterClrMapping/>
   </p:clrMapOvr>
+  <p:timing>
+    <p:tnLst>
+      <p:par>
+        <p:cTn id="1" dur="indefinite" restart="never" nodeType="tmRoot"/>
+      </p:par>
+    </p:tnLst>
+  </p:timing>
 </p:sld>
 </file>
 
@@ -6138,28 +6133,28 @@
                 <a:gridCol w="2124710">
                   <a:extLst>
                     <a:ext uri="{9D8B030D-6E8A-4147-A177-3AD203B41FA5}">
-                      <a16:colId xmlns:a16="http://schemas.microsoft.com/office/drawing/2014/main" val="3672629785"/>
+                      <a16:colId xmlns:a16="http://schemas.microsoft.com/office/drawing/2014/main" xmlns="" val="3672629785"/>
                     </a:ext>
                   </a:extLst>
                 </a:gridCol>
                 <a:gridCol w="1391920">
                   <a:extLst>
                     <a:ext uri="{9D8B030D-6E8A-4147-A177-3AD203B41FA5}">
-                      <a16:colId xmlns:a16="http://schemas.microsoft.com/office/drawing/2014/main" val="610125163"/>
+                      <a16:colId xmlns:a16="http://schemas.microsoft.com/office/drawing/2014/main" xmlns="" val="610125163"/>
                     </a:ext>
                   </a:extLst>
                 </a:gridCol>
                 <a:gridCol w="2956560">
                   <a:extLst>
                     <a:ext uri="{9D8B030D-6E8A-4147-A177-3AD203B41FA5}">
-                      <a16:colId xmlns:a16="http://schemas.microsoft.com/office/drawing/2014/main" val="1799733547"/>
+                      <a16:colId xmlns:a16="http://schemas.microsoft.com/office/drawing/2014/main" xmlns="" val="1799733547"/>
                     </a:ext>
                   </a:extLst>
                 </a:gridCol>
                 <a:gridCol w="1413510">
                   <a:extLst>
                     <a:ext uri="{9D8B030D-6E8A-4147-A177-3AD203B41FA5}">
-                      <a16:colId xmlns:a16="http://schemas.microsoft.com/office/drawing/2014/main" val="2377742491"/>
+                      <a16:colId xmlns:a16="http://schemas.microsoft.com/office/drawing/2014/main" xmlns="" val="2377742491"/>
                     </a:ext>
                   </a:extLst>
                 </a:gridCol>
@@ -6251,7 +6246,7 @@
                 </a:tc>
                 <a:extLst>
                   <a:ext uri="{0D108BD9-81ED-4DB2-BD59-A6C34878D82A}">
-                    <a16:rowId xmlns:a16="http://schemas.microsoft.com/office/drawing/2014/main" val="2038365523"/>
+                    <a16:rowId xmlns:a16="http://schemas.microsoft.com/office/drawing/2014/main" xmlns="" val="2038365523"/>
                   </a:ext>
                 </a:extLst>
               </a:tr>
@@ -6326,7 +6321,7 @@
                 </a:tc>
                 <a:extLst>
                   <a:ext uri="{0D108BD9-81ED-4DB2-BD59-A6C34878D82A}">
-                    <a16:rowId xmlns:a16="http://schemas.microsoft.com/office/drawing/2014/main" val="3362990065"/>
+                    <a16:rowId xmlns:a16="http://schemas.microsoft.com/office/drawing/2014/main" xmlns="" val="3362990065"/>
                   </a:ext>
                 </a:extLst>
               </a:tr>
@@ -6416,7 +6411,7 @@
                 </a:tc>
                 <a:extLst>
                   <a:ext uri="{0D108BD9-81ED-4DB2-BD59-A6C34878D82A}">
-                    <a16:rowId xmlns:a16="http://schemas.microsoft.com/office/drawing/2014/main" val="879128021"/>
+                    <a16:rowId xmlns:a16="http://schemas.microsoft.com/office/drawing/2014/main" xmlns="" val="879128021"/>
                   </a:ext>
                 </a:extLst>
               </a:tr>
@@ -6491,7 +6486,7 @@
                 </a:tc>
                 <a:extLst>
                   <a:ext uri="{0D108BD9-81ED-4DB2-BD59-A6C34878D82A}">
-                    <a16:rowId xmlns:a16="http://schemas.microsoft.com/office/drawing/2014/main" val="212279757"/>
+                    <a16:rowId xmlns:a16="http://schemas.microsoft.com/office/drawing/2014/main" xmlns="" val="212279757"/>
                   </a:ext>
                 </a:extLst>
               </a:tr>
@@ -6570,7 +6565,7 @@
                 </a:tc>
                 <a:extLst>
                   <a:ext uri="{0D108BD9-81ED-4DB2-BD59-A6C34878D82A}">
-                    <a16:rowId xmlns:a16="http://schemas.microsoft.com/office/drawing/2014/main" val="119454626"/>
+                    <a16:rowId xmlns:a16="http://schemas.microsoft.com/office/drawing/2014/main" xmlns="" val="119454626"/>
                   </a:ext>
                 </a:extLst>
               </a:tr>
@@ -6641,7 +6636,7 @@
                 </a:tc>
                 <a:extLst>
                   <a:ext uri="{0D108BD9-81ED-4DB2-BD59-A6C34878D82A}">
-                    <a16:rowId xmlns:a16="http://schemas.microsoft.com/office/drawing/2014/main" val="2543401271"/>
+                    <a16:rowId xmlns:a16="http://schemas.microsoft.com/office/drawing/2014/main" xmlns="" val="2543401271"/>
                   </a:ext>
                 </a:extLst>
               </a:tr>
@@ -6653,15 +6648,7 @@
                     <a:p>
                       <a:r>
                         <a:rPr lang="es-MX" sz="2200" dirty="0" smtClean="0"/>
-                        <a:t>“hola” </a:t>
-                      </a:r>
-                      <a:r>
-                        <a:rPr lang="es-MX" sz="2200" dirty="0" smtClean="0"/>
-                        <a:t>!= </a:t>
-                      </a:r>
-                      <a:r>
-                        <a:rPr lang="es-MX" sz="2200" dirty="0" smtClean="0"/>
-                        <a:t>5</a:t>
+                        <a:t>“hola” != 5</a:t>
                       </a:r>
                       <a:endParaRPr lang="en-US" sz="2200" dirty="0"/>
                     </a:p>
@@ -6724,7 +6711,7 @@
                 </a:tc>
                 <a:extLst>
                   <a:ext uri="{0D108BD9-81ED-4DB2-BD59-A6C34878D82A}">
-                    <a16:rowId xmlns:a16="http://schemas.microsoft.com/office/drawing/2014/main" val="1871641888"/>
+                    <a16:rowId xmlns:a16="http://schemas.microsoft.com/office/drawing/2014/main" xmlns="" val="1871641888"/>
                   </a:ext>
                 </a:extLst>
               </a:tr>
@@ -6803,7 +6790,7 @@
                 </a:tc>
                 <a:extLst>
                   <a:ext uri="{0D108BD9-81ED-4DB2-BD59-A6C34878D82A}">
-                    <a16:rowId xmlns:a16="http://schemas.microsoft.com/office/drawing/2014/main" val="2251212323"/>
+                    <a16:rowId xmlns:a16="http://schemas.microsoft.com/office/drawing/2014/main" xmlns="" val="2251212323"/>
                   </a:ext>
                 </a:extLst>
               </a:tr>
@@ -6815,15 +6802,7 @@
                     <a:p>
                       <a:r>
                         <a:rPr lang="es-MX" sz="2200" dirty="0" smtClean="0"/>
-                        <a:t>5 </a:t>
-                      </a:r>
-                      <a:r>
-                        <a:rPr lang="es-MX" sz="2200" dirty="0" smtClean="0"/>
-                        <a:t>== </a:t>
-                      </a:r>
-                      <a:r>
-                        <a:rPr lang="es-MX" sz="2200" dirty="0" smtClean="0"/>
-                        <a:t>“5”</a:t>
+                        <a:t>5 == “5”</a:t>
                       </a:r>
                       <a:endParaRPr lang="en-US" sz="2200" dirty="0"/>
                     </a:p>
@@ -6890,7 +6869,7 @@
                 </a:tc>
                 <a:extLst>
                   <a:ext uri="{0D108BD9-81ED-4DB2-BD59-A6C34878D82A}">
-                    <a16:rowId xmlns:a16="http://schemas.microsoft.com/office/drawing/2014/main" val="4025408225"/>
+                    <a16:rowId xmlns:a16="http://schemas.microsoft.com/office/drawing/2014/main" xmlns="" val="4025408225"/>
                   </a:ext>
                 </a:extLst>
               </a:tr>
@@ -6965,7 +6944,7 @@
                 </a:tc>
                 <a:extLst>
                   <a:ext uri="{0D108BD9-81ED-4DB2-BD59-A6C34878D82A}">
-                    <a16:rowId xmlns:a16="http://schemas.microsoft.com/office/drawing/2014/main" val="299322309"/>
+                    <a16:rowId xmlns:a16="http://schemas.microsoft.com/office/drawing/2014/main" xmlns="" val="299322309"/>
                   </a:ext>
                 </a:extLst>
               </a:tr>
@@ -7042,7 +7021,7 @@
           <p:nvPr>
             <p:extLst>
               <p:ext uri="{D42A27DB-BD31-4B8C-83A1-F6EECF244321}">
-                <p14:modId xmlns:p14="http://schemas.microsoft.com/office/powerpoint/2010/main" val="129512557"/>
+                <p14:modId xmlns:p14="http://schemas.microsoft.com/office/powerpoint/2010/main" val="385052737"/>
               </p:ext>
             </p:extLst>
           </p:nvPr>
@@ -7061,28 +7040,28 @@
                 <a:gridCol w="1971675">
                   <a:extLst>
                     <a:ext uri="{9D8B030D-6E8A-4147-A177-3AD203B41FA5}">
-                      <a16:colId xmlns:a16="http://schemas.microsoft.com/office/drawing/2014/main" val="2878145690"/>
+                      <a16:colId xmlns:a16="http://schemas.microsoft.com/office/drawing/2014/main" xmlns="" val="2878145690"/>
                     </a:ext>
                   </a:extLst>
                 </a:gridCol>
                 <a:gridCol w="1971675">
                   <a:extLst>
                     <a:ext uri="{9D8B030D-6E8A-4147-A177-3AD203B41FA5}">
-                      <a16:colId xmlns:a16="http://schemas.microsoft.com/office/drawing/2014/main" val="3721043963"/>
+                      <a16:colId xmlns:a16="http://schemas.microsoft.com/office/drawing/2014/main" xmlns="" val="3721043963"/>
                     </a:ext>
                   </a:extLst>
                 </a:gridCol>
                 <a:gridCol w="1971675">
                   <a:extLst>
                     <a:ext uri="{9D8B030D-6E8A-4147-A177-3AD203B41FA5}">
-                      <a16:colId xmlns:a16="http://schemas.microsoft.com/office/drawing/2014/main" val="3672629785"/>
+                      <a16:colId xmlns:a16="http://schemas.microsoft.com/office/drawing/2014/main" xmlns="" val="3672629785"/>
                     </a:ext>
                   </a:extLst>
                 </a:gridCol>
                 <a:gridCol w="1971675">
                   <a:extLst>
                     <a:ext uri="{9D8B030D-6E8A-4147-A177-3AD203B41FA5}">
-                      <a16:colId xmlns:a16="http://schemas.microsoft.com/office/drawing/2014/main" val="610125163"/>
+                      <a16:colId xmlns:a16="http://schemas.microsoft.com/office/drawing/2014/main" xmlns="" val="610125163"/>
                     </a:ext>
                   </a:extLst>
                 </a:gridCol>
@@ -7174,7 +7153,7 @@
                 </a:tc>
                 <a:extLst>
                   <a:ext uri="{0D108BD9-81ED-4DB2-BD59-A6C34878D82A}">
-                    <a16:rowId xmlns:a16="http://schemas.microsoft.com/office/drawing/2014/main" val="2038365523"/>
+                    <a16:rowId xmlns:a16="http://schemas.microsoft.com/office/drawing/2014/main" xmlns="" val="2038365523"/>
                   </a:ext>
                 </a:extLst>
               </a:tr>
@@ -7253,7 +7232,7 @@
                 </a:tc>
                 <a:extLst>
                   <a:ext uri="{0D108BD9-81ED-4DB2-BD59-A6C34878D82A}">
-                    <a16:rowId xmlns:a16="http://schemas.microsoft.com/office/drawing/2014/main" val="3362990065"/>
+                    <a16:rowId xmlns:a16="http://schemas.microsoft.com/office/drawing/2014/main" xmlns="" val="3362990065"/>
                   </a:ext>
                 </a:extLst>
               </a:tr>
@@ -7265,7 +7244,7 @@
                     <a:p>
                       <a:r>
                         <a:rPr lang="es-MX" dirty="0" smtClean="0"/>
-                        <a:t>&lt;</a:t>
+                        <a:t>&gt;=</a:t>
                       </a:r>
                       <a:endParaRPr lang="en-US" dirty="0"/>
                     </a:p>
@@ -7283,9 +7262,9 @@
                     <a:p>
                       <a:r>
                         <a:rPr lang="es-MX" dirty="0" smtClean="0"/>
-                        <a:t>Menor que</a:t>
-                      </a:r>
-                      <a:endParaRPr lang="en-US" u="sng" dirty="0"/>
+                        <a:t>Mayor o Igual que</a:t>
+                      </a:r>
+                      <a:endParaRPr lang="en-US" dirty="0"/>
                     </a:p>
                   </a:txBody>
                   <a:tcPr anchor="ctr">
@@ -7336,7 +7315,7 @@
                 </a:tc>
                 <a:extLst>
                   <a:ext uri="{0D108BD9-81ED-4DB2-BD59-A6C34878D82A}">
-                    <a16:rowId xmlns:a16="http://schemas.microsoft.com/office/drawing/2014/main" val="879128021"/>
+                    <a16:rowId xmlns:a16="http://schemas.microsoft.com/office/drawing/2014/main" xmlns="" val="879128021"/>
                   </a:ext>
                 </a:extLst>
               </a:tr>
@@ -7347,10 +7326,10 @@
                     <a:lstStyle/>
                     <a:p>
                       <a:r>
-                        <a:rPr lang="es-MX" dirty="0" smtClean="0"/>
-                        <a:t>&gt;=</a:t>
-                      </a:r>
-                      <a:endParaRPr lang="en-US" dirty="0"/>
+                        <a:rPr lang="es-AR" dirty="0" smtClean="0"/>
+                        <a:t>&lt;</a:t>
+                      </a:r>
+                      <a:endParaRPr lang="es-AR" dirty="0"/>
                     </a:p>
                   </a:txBody>
                   <a:tcPr anchor="ctr">
@@ -7365,10 +7344,10 @@
                     <a:lstStyle/>
                     <a:p>
                       <a:r>
-                        <a:rPr lang="es-MX" dirty="0" smtClean="0"/>
-                        <a:t>Mayor o Igual que</a:t>
-                      </a:r>
-                      <a:endParaRPr lang="en-US" dirty="0"/>
+                        <a:rPr lang="es-AR" dirty="0" smtClean="0"/>
+                        <a:t>Menor que</a:t>
+                      </a:r>
+                      <a:endParaRPr lang="es-AR" dirty="0"/>
                     </a:p>
                   </a:txBody>
                   <a:tcPr anchor="ctr">
@@ -7415,7 +7394,7 @@
                 </a:tc>
                 <a:extLst>
                   <a:ext uri="{0D108BD9-81ED-4DB2-BD59-A6C34878D82A}">
-                    <a16:rowId xmlns:a16="http://schemas.microsoft.com/office/drawing/2014/main" val="212279757"/>
+                    <a16:rowId xmlns:a16="http://schemas.microsoft.com/office/drawing/2014/main" xmlns="" val="212279757"/>
                   </a:ext>
                 </a:extLst>
               </a:tr>
@@ -7494,7 +7473,7 @@
                 </a:tc>
                 <a:extLst>
                   <a:ext uri="{0D108BD9-81ED-4DB2-BD59-A6C34878D82A}">
-                    <a16:rowId xmlns:a16="http://schemas.microsoft.com/office/drawing/2014/main" val="2543401271"/>
+                    <a16:rowId xmlns:a16="http://schemas.microsoft.com/office/drawing/2014/main" xmlns="" val="2543401271"/>
                   </a:ext>
                 </a:extLst>
               </a:tr>
@@ -7530,28 +7509,28 @@
                 <a:gridCol w="2124710">
                   <a:extLst>
                     <a:ext uri="{9D8B030D-6E8A-4147-A177-3AD203B41FA5}">
-                      <a16:colId xmlns:a16="http://schemas.microsoft.com/office/drawing/2014/main" val="3672629785"/>
+                      <a16:colId xmlns:a16="http://schemas.microsoft.com/office/drawing/2014/main" xmlns="" val="3672629785"/>
                     </a:ext>
                   </a:extLst>
                 </a:gridCol>
                 <a:gridCol w="1391920">
                   <a:extLst>
                     <a:ext uri="{9D8B030D-6E8A-4147-A177-3AD203B41FA5}">
-                      <a16:colId xmlns:a16="http://schemas.microsoft.com/office/drawing/2014/main" val="610125163"/>
+                      <a16:colId xmlns:a16="http://schemas.microsoft.com/office/drawing/2014/main" xmlns="" val="610125163"/>
                     </a:ext>
                   </a:extLst>
                 </a:gridCol>
                 <a:gridCol w="2956560">
                   <a:extLst>
                     <a:ext uri="{9D8B030D-6E8A-4147-A177-3AD203B41FA5}">
-                      <a16:colId xmlns:a16="http://schemas.microsoft.com/office/drawing/2014/main" val="1799733547"/>
+                      <a16:colId xmlns:a16="http://schemas.microsoft.com/office/drawing/2014/main" xmlns="" val="1799733547"/>
                     </a:ext>
                   </a:extLst>
                 </a:gridCol>
                 <a:gridCol w="1413510">
                   <a:extLst>
                     <a:ext uri="{9D8B030D-6E8A-4147-A177-3AD203B41FA5}">
-                      <a16:colId xmlns:a16="http://schemas.microsoft.com/office/drawing/2014/main" val="2377742491"/>
+                      <a16:colId xmlns:a16="http://schemas.microsoft.com/office/drawing/2014/main" xmlns="" val="2377742491"/>
                     </a:ext>
                   </a:extLst>
                 </a:gridCol>
@@ -7643,7 +7622,7 @@
                 </a:tc>
                 <a:extLst>
                   <a:ext uri="{0D108BD9-81ED-4DB2-BD59-A6C34878D82A}">
-                    <a16:rowId xmlns:a16="http://schemas.microsoft.com/office/drawing/2014/main" val="2038365523"/>
+                    <a16:rowId xmlns:a16="http://schemas.microsoft.com/office/drawing/2014/main" xmlns="" val="2038365523"/>
                   </a:ext>
                 </a:extLst>
               </a:tr>
@@ -7718,7 +7697,7 @@
                 </a:tc>
                 <a:extLst>
                   <a:ext uri="{0D108BD9-81ED-4DB2-BD59-A6C34878D82A}">
-                    <a16:rowId xmlns:a16="http://schemas.microsoft.com/office/drawing/2014/main" val="3362990065"/>
+                    <a16:rowId xmlns:a16="http://schemas.microsoft.com/office/drawing/2014/main" xmlns="" val="3362990065"/>
                   </a:ext>
                 </a:extLst>
               </a:tr>
@@ -7808,7 +7787,7 @@
                 </a:tc>
                 <a:extLst>
                   <a:ext uri="{0D108BD9-81ED-4DB2-BD59-A6C34878D82A}">
-                    <a16:rowId xmlns:a16="http://schemas.microsoft.com/office/drawing/2014/main" val="879128021"/>
+                    <a16:rowId xmlns:a16="http://schemas.microsoft.com/office/drawing/2014/main" xmlns="" val="879128021"/>
                   </a:ext>
                 </a:extLst>
               </a:tr>
@@ -7820,15 +7799,7 @@
                     <a:p>
                       <a:r>
                         <a:rPr lang="es-MX" sz="2200" dirty="0" smtClean="0"/>
-                        <a:t>5 </a:t>
-                      </a:r>
-                      <a:r>
-                        <a:rPr lang="es-MX" sz="2200" dirty="0" smtClean="0"/>
-                        <a:t>&lt;= </a:t>
-                      </a:r>
-                      <a:r>
-                        <a:rPr lang="es-MX" sz="2200" dirty="0" smtClean="0"/>
-                        <a:t>5</a:t>
+                        <a:t>5 &lt;= 5</a:t>
                       </a:r>
                       <a:endParaRPr lang="en-US" sz="2200" dirty="0"/>
                     </a:p>
@@ -7887,7 +7858,7 @@
                 </a:tc>
                 <a:extLst>
                   <a:ext uri="{0D108BD9-81ED-4DB2-BD59-A6C34878D82A}">
-                    <a16:rowId xmlns:a16="http://schemas.microsoft.com/office/drawing/2014/main" val="212279757"/>
+                    <a16:rowId xmlns:a16="http://schemas.microsoft.com/office/drawing/2014/main" xmlns="" val="212279757"/>
                   </a:ext>
                 </a:extLst>
               </a:tr>
@@ -7962,7 +7933,7 @@
                 </a:tc>
                 <a:extLst>
                   <a:ext uri="{0D108BD9-81ED-4DB2-BD59-A6C34878D82A}">
-                    <a16:rowId xmlns:a16="http://schemas.microsoft.com/office/drawing/2014/main" val="119454626"/>
+                    <a16:rowId xmlns:a16="http://schemas.microsoft.com/office/drawing/2014/main" xmlns="" val="119454626"/>
                   </a:ext>
                 </a:extLst>
               </a:tr>
@@ -8126,21 +8097,21 @@
                 <a:gridCol w="1971675">
                   <a:extLst>
                     <a:ext uri="{9D8B030D-6E8A-4147-A177-3AD203B41FA5}">
-                      <a16:colId xmlns:a16="http://schemas.microsoft.com/office/drawing/2014/main" val="2878145690"/>
+                      <a16:colId xmlns:a16="http://schemas.microsoft.com/office/drawing/2014/main" xmlns="" val="2878145690"/>
                     </a:ext>
                   </a:extLst>
                 </a:gridCol>
                 <a:gridCol w="1971675">
                   <a:extLst>
                     <a:ext uri="{9D8B030D-6E8A-4147-A177-3AD203B41FA5}">
-                      <a16:colId xmlns:a16="http://schemas.microsoft.com/office/drawing/2014/main" val="3721043963"/>
+                      <a16:colId xmlns:a16="http://schemas.microsoft.com/office/drawing/2014/main" xmlns="" val="3721043963"/>
                     </a:ext>
                   </a:extLst>
                 </a:gridCol>
                 <a:gridCol w="1971675">
                   <a:extLst>
                     <a:ext uri="{9D8B030D-6E8A-4147-A177-3AD203B41FA5}">
-                      <a16:colId xmlns:a16="http://schemas.microsoft.com/office/drawing/2014/main" val="3672629785"/>
+                      <a16:colId xmlns:a16="http://schemas.microsoft.com/office/drawing/2014/main" xmlns="" val="3672629785"/>
                     </a:ext>
                   </a:extLst>
                 </a:gridCol>
@@ -8211,7 +8182,7 @@
                 </a:tc>
                 <a:extLst>
                   <a:ext uri="{0D108BD9-81ED-4DB2-BD59-A6C34878D82A}">
-                    <a16:rowId xmlns:a16="http://schemas.microsoft.com/office/drawing/2014/main" val="2038365523"/>
+                    <a16:rowId xmlns:a16="http://schemas.microsoft.com/office/drawing/2014/main" xmlns="" val="2038365523"/>
                   </a:ext>
                 </a:extLst>
               </a:tr>
@@ -8272,7 +8243,7 @@
                 </a:tc>
                 <a:extLst>
                   <a:ext uri="{0D108BD9-81ED-4DB2-BD59-A6C34878D82A}">
-                    <a16:rowId xmlns:a16="http://schemas.microsoft.com/office/drawing/2014/main" val="3362990065"/>
+                    <a16:rowId xmlns:a16="http://schemas.microsoft.com/office/drawing/2014/main" xmlns="" val="3362990065"/>
                   </a:ext>
                 </a:extLst>
               </a:tr>
@@ -8333,7 +8304,7 @@
                 </a:tc>
                 <a:extLst>
                   <a:ext uri="{0D108BD9-81ED-4DB2-BD59-A6C34878D82A}">
-                    <a16:rowId xmlns:a16="http://schemas.microsoft.com/office/drawing/2014/main" val="212279757"/>
+                    <a16:rowId xmlns:a16="http://schemas.microsoft.com/office/drawing/2014/main" xmlns="" val="212279757"/>
                   </a:ext>
                 </a:extLst>
               </a:tr>
@@ -8394,7 +8365,7 @@
                 </a:tc>
                 <a:extLst>
                   <a:ext uri="{0D108BD9-81ED-4DB2-BD59-A6C34878D82A}">
-                    <a16:rowId xmlns:a16="http://schemas.microsoft.com/office/drawing/2014/main" val="1679614167"/>
+                    <a16:rowId xmlns:a16="http://schemas.microsoft.com/office/drawing/2014/main" xmlns="" val="1679614167"/>
                   </a:ext>
                 </a:extLst>
               </a:tr>
@@ -8490,28 +8461,28 @@
                 <a:gridCol w="709439">
                   <a:extLst>
                     <a:ext uri="{9D8B030D-6E8A-4147-A177-3AD203B41FA5}">
-                      <a16:colId xmlns:a16="http://schemas.microsoft.com/office/drawing/2014/main" val="3721043963"/>
+                      <a16:colId xmlns:a16="http://schemas.microsoft.com/office/drawing/2014/main" xmlns="" val="3721043963"/>
                     </a:ext>
                   </a:extLst>
                 </a:gridCol>
                 <a:gridCol w="1602700">
                   <a:extLst>
                     <a:ext uri="{9D8B030D-6E8A-4147-A177-3AD203B41FA5}">
-                      <a16:colId xmlns:a16="http://schemas.microsoft.com/office/drawing/2014/main" val="3672629785"/>
+                      <a16:colId xmlns:a16="http://schemas.microsoft.com/office/drawing/2014/main" xmlns="" val="3672629785"/>
                     </a:ext>
                   </a:extLst>
                 </a:gridCol>
                 <a:gridCol w="711200">
                   <a:extLst>
                     <a:ext uri="{9D8B030D-6E8A-4147-A177-3AD203B41FA5}">
-                      <a16:colId xmlns:a16="http://schemas.microsoft.com/office/drawing/2014/main" val="4291027278"/>
+                      <a16:colId xmlns:a16="http://schemas.microsoft.com/office/drawing/2014/main" xmlns="" val="4291027278"/>
                     </a:ext>
                   </a:extLst>
                 </a:gridCol>
                 <a:gridCol w="2814321">
                   <a:extLst>
                     <a:ext uri="{9D8B030D-6E8A-4147-A177-3AD203B41FA5}">
-                      <a16:colId xmlns:a16="http://schemas.microsoft.com/office/drawing/2014/main" val="1998882473"/>
+                      <a16:colId xmlns:a16="http://schemas.microsoft.com/office/drawing/2014/main" xmlns="" val="1998882473"/>
                     </a:ext>
                   </a:extLst>
                 </a:gridCol>
@@ -8599,7 +8570,7 @@
                 </a:tc>
                 <a:extLst>
                   <a:ext uri="{0D108BD9-81ED-4DB2-BD59-A6C34878D82A}">
-                    <a16:rowId xmlns:a16="http://schemas.microsoft.com/office/drawing/2014/main" val="2038365523"/>
+                    <a16:rowId xmlns:a16="http://schemas.microsoft.com/office/drawing/2014/main" xmlns="" val="2038365523"/>
                   </a:ext>
                 </a:extLst>
               </a:tr>
@@ -8682,7 +8653,7 @@
                 </a:tc>
                 <a:extLst>
                   <a:ext uri="{0D108BD9-81ED-4DB2-BD59-A6C34878D82A}">
-                    <a16:rowId xmlns:a16="http://schemas.microsoft.com/office/drawing/2014/main" val="3362990065"/>
+                    <a16:rowId xmlns:a16="http://schemas.microsoft.com/office/drawing/2014/main" xmlns="" val="3362990065"/>
                   </a:ext>
                 </a:extLst>
               </a:tr>
@@ -8765,7 +8736,7 @@
                 </a:tc>
                 <a:extLst>
                   <a:ext uri="{0D108BD9-81ED-4DB2-BD59-A6C34878D82A}">
-                    <a16:rowId xmlns:a16="http://schemas.microsoft.com/office/drawing/2014/main" val="212279757"/>
+                    <a16:rowId xmlns:a16="http://schemas.microsoft.com/office/drawing/2014/main" xmlns="" val="212279757"/>
                   </a:ext>
                 </a:extLst>
               </a:tr>
@@ -8852,28 +8823,28 @@
                 <a:gridCol w="709439">
                   <a:extLst>
                     <a:ext uri="{9D8B030D-6E8A-4147-A177-3AD203B41FA5}">
-                      <a16:colId xmlns:a16="http://schemas.microsoft.com/office/drawing/2014/main" val="3721043963"/>
+                      <a16:colId xmlns:a16="http://schemas.microsoft.com/office/drawing/2014/main" xmlns="" val="3721043963"/>
                     </a:ext>
                   </a:extLst>
                 </a:gridCol>
                 <a:gridCol w="1602700">
                   <a:extLst>
                     <a:ext uri="{9D8B030D-6E8A-4147-A177-3AD203B41FA5}">
-                      <a16:colId xmlns:a16="http://schemas.microsoft.com/office/drawing/2014/main" val="3672629785"/>
+                      <a16:colId xmlns:a16="http://schemas.microsoft.com/office/drawing/2014/main" xmlns="" val="3672629785"/>
                     </a:ext>
                   </a:extLst>
                 </a:gridCol>
                 <a:gridCol w="711200">
                   <a:extLst>
                     <a:ext uri="{9D8B030D-6E8A-4147-A177-3AD203B41FA5}">
-                      <a16:colId xmlns:a16="http://schemas.microsoft.com/office/drawing/2014/main" val="4291027278"/>
+                      <a16:colId xmlns:a16="http://schemas.microsoft.com/office/drawing/2014/main" xmlns="" val="4291027278"/>
                     </a:ext>
                   </a:extLst>
                 </a:gridCol>
                 <a:gridCol w="2814321">
                   <a:extLst>
                     <a:ext uri="{9D8B030D-6E8A-4147-A177-3AD203B41FA5}">
-                      <a16:colId xmlns:a16="http://schemas.microsoft.com/office/drawing/2014/main" val="1998882473"/>
+                      <a16:colId xmlns:a16="http://schemas.microsoft.com/office/drawing/2014/main" xmlns="" val="1998882473"/>
                     </a:ext>
                   </a:extLst>
                 </a:gridCol>
@@ -8961,7 +8932,7 @@
                 </a:tc>
                 <a:extLst>
                   <a:ext uri="{0D108BD9-81ED-4DB2-BD59-A6C34878D82A}">
-                    <a16:rowId xmlns:a16="http://schemas.microsoft.com/office/drawing/2014/main" val="2038365523"/>
+                    <a16:rowId xmlns:a16="http://schemas.microsoft.com/office/drawing/2014/main" xmlns="" val="2038365523"/>
                   </a:ext>
                 </a:extLst>
               </a:tr>
@@ -9048,7 +9019,7 @@
                 </a:tc>
                 <a:extLst>
                   <a:ext uri="{0D108BD9-81ED-4DB2-BD59-A6C34878D82A}">
-                    <a16:rowId xmlns:a16="http://schemas.microsoft.com/office/drawing/2014/main" val="3362990065"/>
+                    <a16:rowId xmlns:a16="http://schemas.microsoft.com/office/drawing/2014/main" xmlns="" val="3362990065"/>
                   </a:ext>
                 </a:extLst>
               </a:tr>
@@ -9131,7 +9102,7 @@
                 </a:tc>
                 <a:extLst>
                   <a:ext uri="{0D108BD9-81ED-4DB2-BD59-A6C34878D82A}">
-                    <a16:rowId xmlns:a16="http://schemas.microsoft.com/office/drawing/2014/main" val="212279757"/>
+                    <a16:rowId xmlns:a16="http://schemas.microsoft.com/office/drawing/2014/main" xmlns="" val="212279757"/>
                   </a:ext>
                 </a:extLst>
               </a:tr>
@@ -9216,6 +9187,13 @@
   <p:clrMapOvr>
     <a:masterClrMapping/>
   </p:clrMapOvr>
+  <p:timing>
+    <p:tnLst>
+      <p:par>
+        <p:cTn id="1" dur="indefinite" restart="never" nodeType="tmRoot"/>
+      </p:par>
+    </p:tnLst>
+  </p:timing>
 </p:sld>
 </file>
 
@@ -9287,35 +9265,35 @@
                 <a:gridCol w="1885211">
                   <a:extLst>
                     <a:ext uri="{9D8B030D-6E8A-4147-A177-3AD203B41FA5}">
-                      <a16:colId xmlns:a16="http://schemas.microsoft.com/office/drawing/2014/main" val="2878145690"/>
+                      <a16:colId xmlns:a16="http://schemas.microsoft.com/office/drawing/2014/main" xmlns="" val="2878145690"/>
                     </a:ext>
                   </a:extLst>
                 </a:gridCol>
                 <a:gridCol w="709439">
                   <a:extLst>
                     <a:ext uri="{9D8B030D-6E8A-4147-A177-3AD203B41FA5}">
-                      <a16:colId xmlns:a16="http://schemas.microsoft.com/office/drawing/2014/main" val="3721043963"/>
+                      <a16:colId xmlns:a16="http://schemas.microsoft.com/office/drawing/2014/main" xmlns="" val="3721043963"/>
                     </a:ext>
                   </a:extLst>
                 </a:gridCol>
                 <a:gridCol w="1602700">
                   <a:extLst>
                     <a:ext uri="{9D8B030D-6E8A-4147-A177-3AD203B41FA5}">
-                      <a16:colId xmlns:a16="http://schemas.microsoft.com/office/drawing/2014/main" val="3672629785"/>
+                      <a16:colId xmlns:a16="http://schemas.microsoft.com/office/drawing/2014/main" xmlns="" val="3672629785"/>
                     </a:ext>
                   </a:extLst>
                 </a:gridCol>
                 <a:gridCol w="711200">
                   <a:extLst>
                     <a:ext uri="{9D8B030D-6E8A-4147-A177-3AD203B41FA5}">
-                      <a16:colId xmlns:a16="http://schemas.microsoft.com/office/drawing/2014/main" val="4291027278"/>
+                      <a16:colId xmlns:a16="http://schemas.microsoft.com/office/drawing/2014/main" xmlns="" val="4291027278"/>
                     </a:ext>
                   </a:extLst>
                 </a:gridCol>
                 <a:gridCol w="2814321">
                   <a:extLst>
                     <a:ext uri="{9D8B030D-6E8A-4147-A177-3AD203B41FA5}">
-                      <a16:colId xmlns:a16="http://schemas.microsoft.com/office/drawing/2014/main" val="1998882473"/>
+                      <a16:colId xmlns:a16="http://schemas.microsoft.com/office/drawing/2014/main" xmlns="" val="1998882473"/>
                     </a:ext>
                   </a:extLst>
                 </a:gridCol>
@@ -9429,7 +9407,7 @@
                 </a:tc>
                 <a:extLst>
                   <a:ext uri="{0D108BD9-81ED-4DB2-BD59-A6C34878D82A}">
-                    <a16:rowId xmlns:a16="http://schemas.microsoft.com/office/drawing/2014/main" val="2038365523"/>
+                    <a16:rowId xmlns:a16="http://schemas.microsoft.com/office/drawing/2014/main" xmlns="" val="2038365523"/>
                   </a:ext>
                 </a:extLst>
               </a:tr>
@@ -9531,7 +9509,7 @@
                 </a:tc>
                 <a:extLst>
                   <a:ext uri="{0D108BD9-81ED-4DB2-BD59-A6C34878D82A}">
-                    <a16:rowId xmlns:a16="http://schemas.microsoft.com/office/drawing/2014/main" val="3362990065"/>
+                    <a16:rowId xmlns:a16="http://schemas.microsoft.com/office/drawing/2014/main" xmlns="" val="3362990065"/>
                   </a:ext>
                 </a:extLst>
               </a:tr>
@@ -9633,7 +9611,7 @@
                 </a:tc>
                 <a:extLst>
                   <a:ext uri="{0D108BD9-81ED-4DB2-BD59-A6C34878D82A}">
-                    <a16:rowId xmlns:a16="http://schemas.microsoft.com/office/drawing/2014/main" val="212279757"/>
+                    <a16:rowId xmlns:a16="http://schemas.microsoft.com/office/drawing/2014/main" xmlns="" val="212279757"/>
                   </a:ext>
                 </a:extLst>
               </a:tr>
@@ -9767,7 +9745,7 @@
                 </a:tc>
                 <a:extLst>
                   <a:ext uri="{0D108BD9-81ED-4DB2-BD59-A6C34878D82A}">
-                    <a16:rowId xmlns:a16="http://schemas.microsoft.com/office/drawing/2014/main" val="210520704"/>
+                    <a16:rowId xmlns:a16="http://schemas.microsoft.com/office/drawing/2014/main" xmlns="" val="210520704"/>
                   </a:ext>
                 </a:extLst>
               </a:tr>
@@ -9901,7 +9879,7 @@
                 </a:tc>
                 <a:extLst>
                   <a:ext uri="{0D108BD9-81ED-4DB2-BD59-A6C34878D82A}">
-                    <a16:rowId xmlns:a16="http://schemas.microsoft.com/office/drawing/2014/main" val="79237431"/>
+                    <a16:rowId xmlns:a16="http://schemas.microsoft.com/office/drawing/2014/main" xmlns="" val="79237431"/>
                   </a:ext>
                 </a:extLst>
               </a:tr>
@@ -10024,7 +10002,7 @@
           <p:nvPr>
             <p:extLst>
               <p:ext uri="{D42A27DB-BD31-4B8C-83A1-F6EECF244321}">
-                <p14:modId xmlns:p14="http://schemas.microsoft.com/office/powerpoint/2010/main" val="1854812745"/>
+                <p14:modId xmlns:p14="http://schemas.microsoft.com/office/powerpoint/2010/main" val="3159228181"/>
               </p:ext>
             </p:extLst>
           </p:nvPr>
@@ -10043,35 +10021,35 @@
                 <a:gridCol w="1885211">
                   <a:extLst>
                     <a:ext uri="{9D8B030D-6E8A-4147-A177-3AD203B41FA5}">
-                      <a16:colId xmlns:a16="http://schemas.microsoft.com/office/drawing/2014/main" val="2878145690"/>
+                      <a16:colId xmlns:a16="http://schemas.microsoft.com/office/drawing/2014/main" xmlns="" val="2878145690"/>
                     </a:ext>
                   </a:extLst>
                 </a:gridCol>
                 <a:gridCol w="709439">
                   <a:extLst>
                     <a:ext uri="{9D8B030D-6E8A-4147-A177-3AD203B41FA5}">
-                      <a16:colId xmlns:a16="http://schemas.microsoft.com/office/drawing/2014/main" val="3721043963"/>
+                      <a16:colId xmlns:a16="http://schemas.microsoft.com/office/drawing/2014/main" xmlns="" val="3721043963"/>
                     </a:ext>
                   </a:extLst>
                 </a:gridCol>
                 <a:gridCol w="1602700">
                   <a:extLst>
                     <a:ext uri="{9D8B030D-6E8A-4147-A177-3AD203B41FA5}">
-                      <a16:colId xmlns:a16="http://schemas.microsoft.com/office/drawing/2014/main" val="3672629785"/>
+                      <a16:colId xmlns:a16="http://schemas.microsoft.com/office/drawing/2014/main" xmlns="" val="3672629785"/>
                     </a:ext>
                   </a:extLst>
                 </a:gridCol>
                 <a:gridCol w="711200">
                   <a:extLst>
                     <a:ext uri="{9D8B030D-6E8A-4147-A177-3AD203B41FA5}">
-                      <a16:colId xmlns:a16="http://schemas.microsoft.com/office/drawing/2014/main" val="4291027278"/>
+                      <a16:colId xmlns:a16="http://schemas.microsoft.com/office/drawing/2014/main" xmlns="" val="4291027278"/>
                     </a:ext>
                   </a:extLst>
                 </a:gridCol>
                 <a:gridCol w="2814321">
                   <a:extLst>
                     <a:ext uri="{9D8B030D-6E8A-4147-A177-3AD203B41FA5}">
-                      <a16:colId xmlns:a16="http://schemas.microsoft.com/office/drawing/2014/main" val="1998882473"/>
+                      <a16:colId xmlns:a16="http://schemas.microsoft.com/office/drawing/2014/main" xmlns="" val="1998882473"/>
                     </a:ext>
                   </a:extLst>
                 </a:gridCol>
@@ -10185,7 +10163,7 @@
                 </a:tc>
                 <a:extLst>
                   <a:ext uri="{0D108BD9-81ED-4DB2-BD59-A6C34878D82A}">
-                    <a16:rowId xmlns:a16="http://schemas.microsoft.com/office/drawing/2014/main" val="2038365523"/>
+                    <a16:rowId xmlns:a16="http://schemas.microsoft.com/office/drawing/2014/main" xmlns="" val="2038365523"/>
                   </a:ext>
                 </a:extLst>
               </a:tr>
@@ -10217,7 +10195,7 @@
                       <a:pPr algn="ctr"/>
                       <a:r>
                         <a:rPr lang="es-MX" sz="2200" dirty="0" smtClean="0"/>
-                        <a:t>&amp;&amp;</a:t>
+                        <a:t>||</a:t>
                       </a:r>
                       <a:endParaRPr lang="en-US" sz="2200" dirty="0"/>
                     </a:p>
@@ -10287,7 +10265,7 @@
                 </a:tc>
                 <a:extLst>
                   <a:ext uri="{0D108BD9-81ED-4DB2-BD59-A6C34878D82A}">
-                    <a16:rowId xmlns:a16="http://schemas.microsoft.com/office/drawing/2014/main" val="3362990065"/>
+                    <a16:rowId xmlns:a16="http://schemas.microsoft.com/office/drawing/2014/main" xmlns="" val="3362990065"/>
                   </a:ext>
                 </a:extLst>
               </a:tr>
@@ -10318,8 +10296,8 @@
                     <a:p>
                       <a:pPr algn="ctr"/>
                       <a:r>
-                        <a:rPr lang="es-MX" sz="2200" dirty="0" smtClean="0"/>
-                        <a:t>&amp;&amp;</a:t>
+                        <a:rPr lang="es-MX" sz="2200" smtClean="0"/>
+                        <a:t>||</a:t>
                       </a:r>
                       <a:endParaRPr lang="en-US" sz="2200" dirty="0"/>
                     </a:p>
@@ -10389,7 +10367,7 @@
                 </a:tc>
                 <a:extLst>
                   <a:ext uri="{0D108BD9-81ED-4DB2-BD59-A6C34878D82A}">
-                    <a16:rowId xmlns:a16="http://schemas.microsoft.com/office/drawing/2014/main" val="212279757"/>
+                    <a16:rowId xmlns:a16="http://schemas.microsoft.com/office/drawing/2014/main" xmlns="" val="212279757"/>
                   </a:ext>
                 </a:extLst>
               </a:tr>
@@ -10403,6 +10381,44 @@
                       <a:r>
                         <a:rPr lang="es-MX" sz="2200" dirty="0" smtClean="0"/>
                         <a:t>true</a:t>
+                      </a:r>
+                      <a:endParaRPr lang="en-US" sz="2200" dirty="0"/>
+                    </a:p>
+                  </a:txBody>
+                  <a:tcPr marL="110085" marR="110085" marT="55043" marB="55043" anchor="ctr">
+                    <a:solidFill>
+                      <a:schemeClr val="bg1"/>
+                    </a:solidFill>
+                  </a:tcPr>
+                </a:tc>
+                <a:tc>
+                  <a:txBody>
+                    <a:bodyPr/>
+                    <a:lstStyle/>
+                    <a:p>
+                      <a:pPr algn="ctr"/>
+                      <a:r>
+                        <a:rPr lang="es-MX" sz="2200" smtClean="0"/>
+                        <a:t>||</a:t>
+                      </a:r>
+                      <a:endParaRPr lang="en-US" sz="2200" dirty="0"/>
+                    </a:p>
+                  </a:txBody>
+                  <a:tcPr marL="110085" marR="110085" marT="55043" marB="55043" anchor="ctr">
+                    <a:solidFill>
+                      <a:schemeClr val="bg1"/>
+                    </a:solidFill>
+                  </a:tcPr>
+                </a:tc>
+                <a:tc>
+                  <a:txBody>
+                    <a:bodyPr/>
+                    <a:lstStyle/>
+                    <a:p>
+                      <a:pPr algn="ctr"/>
+                      <a:r>
+                        <a:rPr lang="es-MX" sz="2200" dirty="0" smtClean="0"/>
+                        <a:t>false</a:t>
                       </a:r>
                       <a:endParaRPr lang="en-US" sz="2200" dirty="0"/>
                     </a:p>
@@ -10437,7 +10453,7 @@
                       </a:pPr>
                       <a:r>
                         <a:rPr lang="es-MX" sz="2200" dirty="0" smtClean="0"/>
-                        <a:t>&amp;&amp;</a:t>
+                        <a:t>=</a:t>
                       </a:r>
                       <a:endParaRPr lang="en-US" sz="2200" dirty="0" smtClean="0"/>
                     </a:p>
@@ -10456,7 +10472,71 @@
                       <a:pPr algn="ctr"/>
                       <a:r>
                         <a:rPr lang="es-MX" sz="2200" dirty="0" smtClean="0"/>
-                        <a:t>false</a:t>
+                        <a:t>true</a:t>
+                      </a:r>
+                      <a:endParaRPr lang="en-US" sz="2200" dirty="0"/>
+                    </a:p>
+                  </a:txBody>
+                  <a:tcPr marL="110085" marR="110085" marT="55043" marB="55043" anchor="ctr">
+                    <a:solidFill>
+                      <a:schemeClr val="bg1"/>
+                    </a:solidFill>
+                  </a:tcPr>
+                </a:tc>
+                <a:extLst>
+                  <a:ext uri="{0D108BD9-81ED-4DB2-BD59-A6C34878D82A}">
+                    <a16:rowId xmlns:a16="http://schemas.microsoft.com/office/drawing/2014/main" xmlns="" val="210520704"/>
+                  </a:ext>
+                </a:extLst>
+              </a:tr>
+              <a:tr h="554504">
+                <a:tc>
+                  <a:txBody>
+                    <a:bodyPr/>
+                    <a:lstStyle/>
+                    <a:p>
+                      <a:pPr algn="ctr"/>
+                      <a:r>
+                        <a:rPr lang="es-MX" sz="2200" dirty="0" smtClean="0"/>
+                        <a:t>true</a:t>
+                      </a:r>
+                      <a:endParaRPr lang="en-US" sz="2200" dirty="0"/>
+                    </a:p>
+                  </a:txBody>
+                  <a:tcPr marL="110085" marR="110085" marT="55043" marB="55043" anchor="ctr">
+                    <a:solidFill>
+                      <a:schemeClr val="bg1"/>
+                    </a:solidFill>
+                  </a:tcPr>
+                </a:tc>
+                <a:tc>
+                  <a:txBody>
+                    <a:bodyPr/>
+                    <a:lstStyle/>
+                    <a:p>
+                      <a:pPr algn="ctr"/>
+                      <a:r>
+                        <a:rPr lang="es-MX" sz="2200" dirty="0" smtClean="0"/>
+                        <a:t>||</a:t>
+                      </a:r>
+                      <a:endParaRPr lang="en-US" sz="2200" dirty="0"/>
+                    </a:p>
+                  </a:txBody>
+                  <a:tcPr marL="110085" marR="110085" marT="55043" marB="55043" anchor="ctr">
+                    <a:solidFill>
+                      <a:schemeClr val="bg1"/>
+                    </a:solidFill>
+                  </a:tcPr>
+                </a:tc>
+                <a:tc>
+                  <a:txBody>
+                    <a:bodyPr/>
+                    <a:lstStyle/>
+                    <a:p>
+                      <a:pPr algn="ctr"/>
+                      <a:r>
+                        <a:rPr lang="es-MX" sz="2200" dirty="0" smtClean="0"/>
+                        <a:t>true</a:t>
                       </a:r>
                       <a:endParaRPr lang="en-US" sz="2200" dirty="0"/>
                     </a:p>
@@ -10523,141 +10603,7 @@
                 </a:tc>
                 <a:extLst>
                   <a:ext uri="{0D108BD9-81ED-4DB2-BD59-A6C34878D82A}">
-                    <a16:rowId xmlns:a16="http://schemas.microsoft.com/office/drawing/2014/main" val="210520704"/>
-                  </a:ext>
-                </a:extLst>
-              </a:tr>
-              <a:tr h="554504">
-                <a:tc>
-                  <a:txBody>
-                    <a:bodyPr/>
-                    <a:lstStyle/>
-                    <a:p>
-                      <a:pPr algn="ctr"/>
-                      <a:r>
-                        <a:rPr lang="es-MX" sz="2200" dirty="0" smtClean="0"/>
-                        <a:t>true</a:t>
-                      </a:r>
-                      <a:endParaRPr lang="en-US" sz="2200" dirty="0"/>
-                    </a:p>
-                  </a:txBody>
-                  <a:tcPr marL="110085" marR="110085" marT="55043" marB="55043" anchor="ctr">
-                    <a:solidFill>
-                      <a:schemeClr val="bg1"/>
-                    </a:solidFill>
-                  </a:tcPr>
-                </a:tc>
-                <a:tc>
-                  <a:txBody>
-                    <a:bodyPr/>
-                    <a:lstStyle/>
-                    <a:p>
-                      <a:pPr marL="0" marR="0" indent="0" algn="ctr" defTabSz="914400" rtl="0" eaLnBrk="1" fontAlgn="auto" latinLnBrk="0" hangingPunct="1">
-                        <a:lnSpc>
-                          <a:spcPct val="100000"/>
-                        </a:lnSpc>
-                        <a:spcBef>
-                          <a:spcPts val="0"/>
-                        </a:spcBef>
-                        <a:spcAft>
-                          <a:spcPts val="0"/>
-                        </a:spcAft>
-                        <a:buClrTx/>
-                        <a:buSzTx/>
-                        <a:buFontTx/>
-                        <a:buNone/>
-                        <a:tabLst/>
-                        <a:defRPr/>
-                      </a:pPr>
-                      <a:r>
-                        <a:rPr lang="es-MX" sz="2200" dirty="0" smtClean="0"/>
-                        <a:t>&amp;&amp;</a:t>
-                      </a:r>
-                      <a:endParaRPr lang="en-US" sz="2200" dirty="0" smtClean="0"/>
-                    </a:p>
-                  </a:txBody>
-                  <a:tcPr marL="110085" marR="110085" marT="55043" marB="55043" anchor="ctr">
-                    <a:solidFill>
-                      <a:schemeClr val="bg1"/>
-                    </a:solidFill>
-                  </a:tcPr>
-                </a:tc>
-                <a:tc>
-                  <a:txBody>
-                    <a:bodyPr/>
-                    <a:lstStyle/>
-                    <a:p>
-                      <a:pPr algn="ctr"/>
-                      <a:r>
-                        <a:rPr lang="es-MX" sz="2200" dirty="0" smtClean="0"/>
-                        <a:t>true</a:t>
-                      </a:r>
-                      <a:endParaRPr lang="en-US" sz="2200" dirty="0"/>
-                    </a:p>
-                  </a:txBody>
-                  <a:tcPr marL="110085" marR="110085" marT="55043" marB="55043" anchor="ctr">
-                    <a:solidFill>
-                      <a:schemeClr val="bg1"/>
-                    </a:solidFill>
-                  </a:tcPr>
-                </a:tc>
-                <a:tc>
-                  <a:txBody>
-                    <a:bodyPr/>
-                    <a:lstStyle/>
-                    <a:p>
-                      <a:pPr marL="0" marR="0" indent="0" algn="ctr" defTabSz="914400" rtl="0" eaLnBrk="1" fontAlgn="auto" latinLnBrk="0" hangingPunct="1">
-                        <a:lnSpc>
-                          <a:spcPct val="100000"/>
-                        </a:lnSpc>
-                        <a:spcBef>
-                          <a:spcPts val="0"/>
-                        </a:spcBef>
-                        <a:spcAft>
-                          <a:spcPts val="0"/>
-                        </a:spcAft>
-                        <a:buClrTx/>
-                        <a:buSzTx/>
-                        <a:buFontTx/>
-                        <a:buNone/>
-                        <a:tabLst/>
-                        <a:defRPr/>
-                      </a:pPr>
-                      <a:r>
-                        <a:rPr lang="es-MX" sz="2200" dirty="0" smtClean="0"/>
-                        <a:t>=</a:t>
-                      </a:r>
-                      <a:endParaRPr lang="en-US" sz="2200" dirty="0" smtClean="0"/>
-                    </a:p>
-                  </a:txBody>
-                  <a:tcPr marL="110085" marR="110085" marT="55043" marB="55043" anchor="ctr">
-                    <a:solidFill>
-                      <a:schemeClr val="bg1"/>
-                    </a:solidFill>
-                  </a:tcPr>
-                </a:tc>
-                <a:tc>
-                  <a:txBody>
-                    <a:bodyPr/>
-                    <a:lstStyle/>
-                    <a:p>
-                      <a:pPr algn="ctr"/>
-                      <a:r>
-                        <a:rPr lang="es-MX" sz="2200" dirty="0" smtClean="0"/>
-                        <a:t>true</a:t>
-                      </a:r>
-                      <a:endParaRPr lang="en-US" sz="2200" dirty="0"/>
-                    </a:p>
-                  </a:txBody>
-                  <a:tcPr marL="110085" marR="110085" marT="55043" marB="55043" anchor="ctr">
-                    <a:solidFill>
-                      <a:schemeClr val="bg1"/>
-                    </a:solidFill>
-                  </a:tcPr>
-                </a:tc>
-                <a:extLst>
-                  <a:ext uri="{0D108BD9-81ED-4DB2-BD59-A6C34878D82A}">
-                    <a16:rowId xmlns:a16="http://schemas.microsoft.com/office/drawing/2014/main" val="79237431"/>
+                    <a16:rowId xmlns:a16="http://schemas.microsoft.com/office/drawing/2014/main" xmlns="" val="79237431"/>
                   </a:ext>
                 </a:extLst>
               </a:tr>
@@ -10799,35 +10745,35 @@
                 <a:gridCol w="2297430">
                   <a:extLst>
                     <a:ext uri="{9D8B030D-6E8A-4147-A177-3AD203B41FA5}">
-                      <a16:colId xmlns:a16="http://schemas.microsoft.com/office/drawing/2014/main" val="2878145690"/>
+                      <a16:colId xmlns:a16="http://schemas.microsoft.com/office/drawing/2014/main" xmlns="" val="2878145690"/>
                     </a:ext>
                   </a:extLst>
                 </a:gridCol>
                 <a:gridCol w="741680">
                   <a:extLst>
                     <a:ext uri="{9D8B030D-6E8A-4147-A177-3AD203B41FA5}">
-                      <a16:colId xmlns:a16="http://schemas.microsoft.com/office/drawing/2014/main" val="3721043963"/>
+                      <a16:colId xmlns:a16="http://schemas.microsoft.com/office/drawing/2014/main" xmlns="" val="3721043963"/>
                     </a:ext>
                   </a:extLst>
                 </a:gridCol>
                 <a:gridCol w="2174240">
                   <a:extLst>
                     <a:ext uri="{9D8B030D-6E8A-4147-A177-3AD203B41FA5}">
-                      <a16:colId xmlns:a16="http://schemas.microsoft.com/office/drawing/2014/main" val="3672629785"/>
+                      <a16:colId xmlns:a16="http://schemas.microsoft.com/office/drawing/2014/main" xmlns="" val="3672629785"/>
                     </a:ext>
                   </a:extLst>
                 </a:gridCol>
                 <a:gridCol w="660400">
                   <a:extLst>
                     <a:ext uri="{9D8B030D-6E8A-4147-A177-3AD203B41FA5}">
-                      <a16:colId xmlns:a16="http://schemas.microsoft.com/office/drawing/2014/main" val="4291027278"/>
+                      <a16:colId xmlns:a16="http://schemas.microsoft.com/office/drawing/2014/main" xmlns="" val="4291027278"/>
                     </a:ext>
                   </a:extLst>
                 </a:gridCol>
                 <a:gridCol w="1849121">
                   <a:extLst>
                     <a:ext uri="{9D8B030D-6E8A-4147-A177-3AD203B41FA5}">
-                      <a16:colId xmlns:a16="http://schemas.microsoft.com/office/drawing/2014/main" val="1998882473"/>
+                      <a16:colId xmlns:a16="http://schemas.microsoft.com/office/drawing/2014/main" xmlns="" val="1998882473"/>
                     </a:ext>
                   </a:extLst>
                 </a:gridCol>
@@ -10941,7 +10887,7 @@
                 </a:tc>
                 <a:extLst>
                   <a:ext uri="{0D108BD9-81ED-4DB2-BD59-A6C34878D82A}">
-                    <a16:rowId xmlns:a16="http://schemas.microsoft.com/office/drawing/2014/main" val="2038365523"/>
+                    <a16:rowId xmlns:a16="http://schemas.microsoft.com/office/drawing/2014/main" xmlns="" val="2038365523"/>
                   </a:ext>
                 </a:extLst>
               </a:tr>
@@ -11051,7 +10997,7 @@
                 </a:tc>
                 <a:extLst>
                   <a:ext uri="{0D108BD9-81ED-4DB2-BD59-A6C34878D82A}">
-                    <a16:rowId xmlns:a16="http://schemas.microsoft.com/office/drawing/2014/main" val="3362990065"/>
+                    <a16:rowId xmlns:a16="http://schemas.microsoft.com/office/drawing/2014/main" xmlns="" val="3362990065"/>
                   </a:ext>
                 </a:extLst>
               </a:tr>
@@ -11068,11 +11014,7 @@
                       </a:r>
                       <a:r>
                         <a:rPr lang="es-MX" sz="2200" dirty="0" smtClean="0"/>
-                        <a:t> </a:t>
-                      </a:r>
-                      <a:r>
-                        <a:rPr lang="es-MX" sz="2200" dirty="0" smtClean="0"/>
-                        <a:t>&gt;= 6</a:t>
+                        <a:t> &gt;= 6</a:t>
                       </a:r>
                       <a:endParaRPr lang="en-US" sz="2200" dirty="0"/>
                     </a:p>
@@ -11114,11 +11056,7 @@
                       </a:r>
                       <a:r>
                         <a:rPr lang="es-MX" sz="2200" dirty="0" smtClean="0"/>
-                        <a:t> </a:t>
-                      </a:r>
-                      <a:r>
-                        <a:rPr lang="es-MX" sz="2200" dirty="0" smtClean="0"/>
-                        <a:t>&lt; 5</a:t>
+                        <a:t> &lt; 5</a:t>
                       </a:r>
                       <a:endParaRPr lang="en-US" sz="2200" dirty="0"/>
                     </a:p>
@@ -11165,7 +11103,7 @@
                 </a:tc>
                 <a:extLst>
                   <a:ext uri="{0D108BD9-81ED-4DB2-BD59-A6C34878D82A}">
-                    <a16:rowId xmlns:a16="http://schemas.microsoft.com/office/drawing/2014/main" val="212279757"/>
+                    <a16:rowId xmlns:a16="http://schemas.microsoft.com/office/drawing/2014/main" xmlns="" val="212279757"/>
                   </a:ext>
                 </a:extLst>
               </a:tr>
@@ -11303,7 +11241,7 @@
                 </a:tc>
                 <a:extLst>
                   <a:ext uri="{0D108BD9-81ED-4DB2-BD59-A6C34878D82A}">
-                    <a16:rowId xmlns:a16="http://schemas.microsoft.com/office/drawing/2014/main" val="210520704"/>
+                    <a16:rowId xmlns:a16="http://schemas.microsoft.com/office/drawing/2014/main" xmlns="" val="210520704"/>
                   </a:ext>
                 </a:extLst>
               </a:tr>
@@ -11445,7 +11383,7 @@
                 </a:tc>
                 <a:extLst>
                   <a:ext uri="{0D108BD9-81ED-4DB2-BD59-A6C34878D82A}">
-                    <a16:rowId xmlns:a16="http://schemas.microsoft.com/office/drawing/2014/main" val="79237431"/>
+                    <a16:rowId xmlns:a16="http://schemas.microsoft.com/office/drawing/2014/main" xmlns="" val="79237431"/>
                   </a:ext>
                 </a:extLst>
               </a:tr>
@@ -11587,7 +11525,7 @@
                 </a:tc>
                 <a:extLst>
                   <a:ext uri="{0D108BD9-81ED-4DB2-BD59-A6C34878D82A}">
-                    <a16:rowId xmlns:a16="http://schemas.microsoft.com/office/drawing/2014/main" val="1699388576"/>
+                    <a16:rowId xmlns:a16="http://schemas.microsoft.com/office/drawing/2014/main" xmlns="" val="1699388576"/>
                   </a:ext>
                 </a:extLst>
               </a:tr>
@@ -11608,15 +11546,7 @@
                       </a:r>
                       <a:r>
                         <a:rPr lang="es-MX" sz="2200" dirty="0" smtClean="0"/>
-                        <a:t> </a:t>
-                      </a:r>
-                      <a:r>
-                        <a:rPr lang="es-MX" sz="2200" dirty="0" smtClean="0"/>
-                        <a:t>&lt; </a:t>
-                      </a:r>
-                      <a:r>
-                        <a:rPr lang="es-MX" sz="2200" dirty="0" smtClean="0"/>
-                        <a:t>6)</a:t>
+                        <a:t> &lt; 6)</a:t>
                       </a:r>
                       <a:endParaRPr lang="en-US" sz="2200" dirty="0"/>
                     </a:p>
@@ -11741,7 +11671,7 @@
                 </a:tc>
                 <a:extLst>
                   <a:ext uri="{0D108BD9-81ED-4DB2-BD59-A6C34878D82A}">
-                    <a16:rowId xmlns:a16="http://schemas.microsoft.com/office/drawing/2014/main" val="3546520001"/>
+                    <a16:rowId xmlns:a16="http://schemas.microsoft.com/office/drawing/2014/main" xmlns="" val="3546520001"/>
                   </a:ext>
                 </a:extLst>
               </a:tr>
@@ -11943,6 +11873,13 @@
   <p:clrMapOvr>
     <a:masterClrMapping/>
   </p:clrMapOvr>
+  <p:timing>
+    <p:tnLst>
+      <p:par>
+        <p:cTn id="1" dur="indefinite" restart="never" nodeType="tmRoot"/>
+      </p:par>
+    </p:tnLst>
+  </p:timing>
 </p:sld>
 </file>
 
@@ -12083,6 +12020,13 @@
   <p:clrMapOvr>
     <a:masterClrMapping/>
   </p:clrMapOvr>
+  <p:timing>
+    <p:tnLst>
+      <p:par>
+        <p:cTn id="1" dur="indefinite" restart="never" nodeType="tmRoot"/>
+      </p:par>
+    </p:tnLst>
+  </p:timing>
 </p:sld>
 </file>
 
@@ -12179,11 +12123,7 @@
             </a:r>
             <a:r>
               <a:rPr lang="es-MX" sz="2400" dirty="0" smtClean="0"/>
-              <a:t>: </a:t>
-            </a:r>
-            <a:r>
-              <a:rPr lang="es-MX" sz="2400" dirty="0" smtClean="0"/>
-              <a:t>github.com/</a:t>
+              <a:t>: github.com/</a:t>
             </a:r>
             <a:r>
               <a:rPr lang="es-MX" sz="2400" dirty="0" err="1" smtClean="0"/>
@@ -12268,9 +12208,13 @@
             </a:r>
             <a:r>
               <a:rPr lang="es-MX" sz="2400" b="1" dirty="0" smtClean="0"/>
-              <a:t>SLACK.</a:t>
-            </a:r>
-            <a:endParaRPr lang="es-MX" sz="2400" b="1" dirty="0" smtClean="0"/>
+              <a:t>SLACK: </a:t>
+            </a:r>
+            <a:r>
+              <a:rPr lang="es-MX" sz="2400" dirty="0" smtClean="0"/>
+              <a:t>curso-ingreso.slack.com</a:t>
+            </a:r>
+            <a:endParaRPr lang="es-MX" sz="2400" dirty="0" smtClean="0"/>
           </a:p>
           <a:p>
             <a:pPr>
@@ -12279,7 +12223,15 @@
             </a:pPr>
             <a:r>
               <a:rPr lang="es-MX" sz="2400" b="1" dirty="0" smtClean="0"/>
-              <a:t>Clases de repaso:</a:t>
+              <a:t>Clases de repaso</a:t>
+            </a:r>
+            <a:r>
+              <a:rPr lang="es-MX" sz="2400" b="1" dirty="0" smtClean="0"/>
+              <a:t>: </a:t>
+            </a:r>
+            <a:r>
+              <a:rPr lang="es-MX" sz="2400" dirty="0" smtClean="0"/>
+              <a:t>Sábados (Ver cartelera)</a:t>
             </a:r>
           </a:p>
           <a:p>
@@ -12289,8 +12241,21 @@
             </a:pPr>
             <a:r>
               <a:rPr lang="es-MX" sz="2400" b="1" dirty="0" smtClean="0"/>
-              <a:t>Fecha Parcial:</a:t>
-            </a:r>
+              <a:t>Fecha </a:t>
+            </a:r>
+            <a:r>
+              <a:rPr lang="es-MX" sz="2400" b="1" dirty="0" smtClean="0"/>
+              <a:t>Parcial</a:t>
+            </a:r>
+            <a:r>
+              <a:rPr lang="es-MX" sz="2400" b="1" dirty="0" smtClean="0"/>
+              <a:t>: </a:t>
+            </a:r>
+            <a:r>
+              <a:rPr lang="es-MX" sz="2400" dirty="0" smtClean="0"/>
+              <a:t>09/08 18:30hs.</a:t>
+            </a:r>
+            <a:endParaRPr lang="es-MX" sz="2400" dirty="0" smtClean="0"/>
           </a:p>
           <a:p>
             <a:pPr>
@@ -12307,9 +12272,13 @@
             </a:r>
             <a:r>
               <a:rPr lang="es-MX" sz="2400" b="1" dirty="0" smtClean="0"/>
-              <a:t>:</a:t>
-            </a:r>
-            <a:endParaRPr lang="en-US" sz="2400" b="1" dirty="0"/>
+              <a:t>: </a:t>
+            </a:r>
+            <a:r>
+              <a:rPr lang="es-MX" sz="2400" dirty="0" smtClean="0"/>
+              <a:t>14/08 18:30hs.</a:t>
+            </a:r>
+            <a:endParaRPr lang="en-US" sz="2400" dirty="0"/>
           </a:p>
         </p:txBody>
       </p:sp>
@@ -12323,6 +12292,13 @@
   <p:clrMapOvr>
     <a:masterClrMapping/>
   </p:clrMapOvr>
+  <p:timing>
+    <p:tnLst>
+      <p:par>
+        <p:cTn id="1" dur="indefinite" restart="never" nodeType="tmRoot"/>
+      </p:par>
+    </p:tnLst>
+  </p:timing>
 </p:sld>
 </file>
 
@@ -12433,6 +12409,13 @@
   <p:clrMapOvr>
     <a:masterClrMapping/>
   </p:clrMapOvr>
+  <p:timing>
+    <p:tnLst>
+      <p:par>
+        <p:cTn id="1" dur="indefinite" restart="never" nodeType="tmRoot"/>
+      </p:par>
+    </p:tnLst>
+  </p:timing>
 </p:sld>
 </file>
 
@@ -12535,6 +12518,13 @@
   <p:clrMapOvr>
     <a:masterClrMapping/>
   </p:clrMapOvr>
+  <p:timing>
+    <p:tnLst>
+      <p:par>
+        <p:cTn id="1" dur="indefinite" restart="never" nodeType="tmRoot"/>
+      </p:par>
+    </p:tnLst>
+  </p:timing>
 </p:sld>
 </file>
 
@@ -12700,6 +12690,13 @@
   <p:clrMapOvr>
     <a:masterClrMapping/>
   </p:clrMapOvr>
+  <p:timing>
+    <p:tnLst>
+      <p:par>
+        <p:cTn id="1" dur="indefinite" restart="never" nodeType="tmRoot"/>
+      </p:par>
+    </p:tnLst>
+  </p:timing>
 </p:sld>
 </file>
 
@@ -12737,15 +12734,7 @@
           <a:p>
             <a:r>
               <a:rPr lang="es-MX" dirty="0" smtClean="0"/>
-              <a:t>Leyes de </a:t>
-            </a:r>
-            <a:r>
-              <a:rPr lang="es-MX" dirty="0" err="1" smtClean="0"/>
-              <a:t>De</a:t>
-            </a:r>
-            <a:r>
-              <a:rPr lang="es-MX" dirty="0" smtClean="0"/>
-              <a:t> Morgan</a:t>
+              <a:t>Número aleatorio (RANDOM)</a:t>
             </a:r>
             <a:endParaRPr lang="en-US" dirty="0"/>
           </a:p>
@@ -12763,8 +12752,8 @@
         </p:nvSpPr>
         <p:spPr>
           <a:xfrm>
-            <a:off x="628650" y="1429385"/>
-            <a:ext cx="7886700" cy="4351338"/>
+            <a:off x="247973" y="1444882"/>
+            <a:ext cx="8756541" cy="5079903"/>
           </a:xfrm>
         </p:spPr>
         <p:txBody>
@@ -12773,23 +12762,192 @@
           </a:bodyPr>
           <a:lstStyle/>
           <a:p>
-            <a:pPr marL="0" indent="0">
+            <a:r>
+              <a:rPr lang="es-MX" sz="2400" dirty="0" err="1" smtClean="0"/>
+              <a:t>Math</a:t>
+            </a:r>
+            <a:r>
+              <a:rPr lang="es-MX" sz="2400" dirty="0" err="1" smtClean="0"/>
+              <a:t>.floor</a:t>
+            </a:r>
+            <a:r>
+              <a:rPr lang="es-MX" sz="2400" dirty="0" smtClean="0"/>
+              <a:t>(numero) -&gt; </a:t>
+            </a:r>
+            <a:r>
+              <a:rPr lang="es-AR" sz="2400" dirty="0"/>
+              <a:t>Devuelve el máximo entero menor o igual a un número</a:t>
+            </a:r>
+            <a:r>
+              <a:rPr lang="es-AR" sz="2400" dirty="0" smtClean="0"/>
+              <a:t>. Ej. Si se le pasa 45.95, devuelve 45.</a:t>
+            </a:r>
+            <a:endParaRPr lang="es-MX" sz="2400" dirty="0"/>
+          </a:p>
+          <a:p>
+            <a:endParaRPr lang="es-MX" sz="2400" dirty="0" smtClean="0"/>
+          </a:p>
+          <a:p>
+            <a:pPr marL="0" indent="0" algn="ctr">
               <a:buNone/>
             </a:pPr>
-            <a:endParaRPr lang="es-MX" sz="2400" dirty="0" smtClean="0"/>
+            <a:r>
+              <a:rPr lang="es-AR" b="1" dirty="0" err="1" smtClean="0"/>
+              <a:t>Math.floor</a:t>
+            </a:r>
+            <a:r>
+              <a:rPr lang="es-AR" b="1" dirty="0" smtClean="0"/>
+              <a:t>(</a:t>
+            </a:r>
+            <a:r>
+              <a:rPr lang="es-AR" b="1" dirty="0" err="1" smtClean="0"/>
+              <a:t>Math.random</a:t>
+            </a:r>
+            <a:r>
+              <a:rPr lang="es-AR" b="1" dirty="0"/>
+              <a:t>() * (</a:t>
+            </a:r>
+            <a:r>
+              <a:rPr lang="es-AR" b="1" dirty="0" err="1"/>
+              <a:t>max</a:t>
+            </a:r>
+            <a:r>
+              <a:rPr lang="es-AR" b="1" dirty="0"/>
+              <a:t> </a:t>
+            </a:r>
+            <a:r>
+              <a:rPr lang="es-AR" b="1" dirty="0" smtClean="0"/>
+              <a:t>– min + 1) </a:t>
+            </a:r>
+            <a:r>
+              <a:rPr lang="es-AR" b="1" dirty="0"/>
+              <a:t>) + min</a:t>
+            </a:r>
+            <a:r>
+              <a:rPr lang="es-AR" b="1" dirty="0" smtClean="0"/>
+              <a:t>;</a:t>
+            </a:r>
+          </a:p>
+          <a:p>
+            <a:pPr marL="0" indent="0" algn="ctr">
+              <a:buNone/>
+            </a:pPr>
+            <a:endParaRPr lang="es-AR" b="1" dirty="0"/>
+          </a:p>
+          <a:p>
+            <a:pPr marL="0" indent="0" algn="ctr">
+              <a:buNone/>
+            </a:pPr>
+            <a:r>
+              <a:rPr lang="es-AR" dirty="0" smtClean="0"/>
+              <a:t>Devuelve un numero entero aleatorio entre min (mínimo </a:t>
+            </a:r>
+            <a:r>
+              <a:rPr lang="es-AR" u="sng" dirty="0" smtClean="0"/>
+              <a:t>incluido</a:t>
+            </a:r>
+            <a:r>
+              <a:rPr lang="es-AR" dirty="0" smtClean="0"/>
+              <a:t>) y </a:t>
+            </a:r>
+            <a:r>
+              <a:rPr lang="es-AR" dirty="0" err="1" smtClean="0"/>
+              <a:t>max</a:t>
+            </a:r>
+            <a:r>
+              <a:rPr lang="es-AR" dirty="0" smtClean="0"/>
+              <a:t> (máximo </a:t>
+            </a:r>
+            <a:r>
+              <a:rPr lang="es-AR" u="sng" dirty="0" smtClean="0"/>
+              <a:t>incluido</a:t>
+            </a:r>
+            <a:r>
+              <a:rPr lang="es-AR" dirty="0" smtClean="0"/>
+              <a:t>)</a:t>
+            </a:r>
+          </a:p>
+          <a:p>
+            <a:pPr marL="0" indent="0" algn="ctr">
+              <a:buNone/>
+            </a:pPr>
+            <a:endParaRPr lang="es-AR" dirty="0"/>
+          </a:p>
+          <a:p>
+            <a:pPr marL="0" indent="0" algn="ctr">
+              <a:buNone/>
+            </a:pPr>
+            <a:r>
+              <a:rPr lang="es-AR" dirty="0" smtClean="0"/>
+              <a:t>Ej. </a:t>
+            </a:r>
+            <a:r>
+              <a:rPr lang="es-AR" dirty="0" err="1"/>
+              <a:t>Math.floor</a:t>
+            </a:r>
+            <a:r>
+              <a:rPr lang="es-AR" dirty="0"/>
+              <a:t>(</a:t>
+            </a:r>
+            <a:r>
+              <a:rPr lang="es-AR" dirty="0" err="1"/>
+              <a:t>Math.random</a:t>
+            </a:r>
+            <a:r>
+              <a:rPr lang="es-AR" dirty="0"/>
+              <a:t>() * </a:t>
+            </a:r>
+            <a:r>
+              <a:rPr lang="es-AR" dirty="0" smtClean="0"/>
+              <a:t>(100 </a:t>
+            </a:r>
+            <a:r>
+              <a:rPr lang="es-AR" dirty="0"/>
+              <a:t>– </a:t>
+            </a:r>
+            <a:r>
+              <a:rPr lang="es-AR" dirty="0" smtClean="0"/>
+              <a:t>9 </a:t>
+            </a:r>
+            <a:r>
+              <a:rPr lang="es-AR" dirty="0"/>
+              <a:t>+ 1) ) + </a:t>
+            </a:r>
+            <a:r>
+              <a:rPr lang="es-AR" dirty="0" smtClean="0"/>
+              <a:t>9;</a:t>
+            </a:r>
+            <a:endParaRPr lang="es-AR" dirty="0"/>
+          </a:p>
+          <a:p>
+            <a:pPr marL="0" indent="0" algn="ctr">
+              <a:buNone/>
+            </a:pPr>
+            <a:r>
+              <a:rPr lang="es-MX" dirty="0" smtClean="0"/>
+              <a:t>Retorna un entero aleatorio entre 9 y 100 incluidos.</a:t>
+            </a:r>
+            <a:endParaRPr lang="es-MX" dirty="0" smtClean="0"/>
           </a:p>
         </p:txBody>
       </p:sp>
     </p:spTree>
     <p:extLst>
       <p:ext uri="{BB962C8B-B14F-4D97-AF65-F5344CB8AC3E}">
-        <p14:creationId xmlns:p14="http://schemas.microsoft.com/office/powerpoint/2010/main" val="212367630"/>
+        <p14:creationId xmlns:p14="http://schemas.microsoft.com/office/powerpoint/2010/main" val="1355818000"/>
       </p:ext>
     </p:extLst>
   </p:cSld>
   <p:clrMapOvr>
     <a:masterClrMapping/>
   </p:clrMapOvr>
+  <p:timing>
+    <p:tnLst>
+      <p:par>
+        <p:cTn id="1" dur="indefinite" restart="never" nodeType="tmRoot"/>
+      </p:par>
+    </p:tnLst>
+  </p:timing>
 </p:sld>
 </file>
 
@@ -12827,7 +12985,15 @@
           <a:p>
             <a:r>
               <a:rPr lang="es-MX" dirty="0" smtClean="0"/>
-              <a:t>Número aleatorio (RANDOM)</a:t>
+              <a:t>Leyes de </a:t>
+            </a:r>
+            <a:r>
+              <a:rPr lang="es-MX" dirty="0" err="1" smtClean="0"/>
+              <a:t>De</a:t>
+            </a:r>
+            <a:r>
+              <a:rPr lang="es-MX" dirty="0" smtClean="0"/>
+              <a:t> Morgan</a:t>
             </a:r>
             <a:endParaRPr lang="en-US" dirty="0"/>
           </a:p>
@@ -12855,23 +13021,127 @@
           </a:bodyPr>
           <a:lstStyle/>
           <a:p>
+            <a:r>
+              <a:rPr lang="es-MX" sz="2400" dirty="0" smtClean="0"/>
+              <a:t>P y Q son condiciones (dan true/false). Ej. </a:t>
+            </a:r>
+            <a:r>
+              <a:rPr lang="es-MX" sz="2400" dirty="0" smtClean="0"/>
+              <a:t>v</a:t>
+            </a:r>
+            <a:r>
+              <a:rPr lang="es-MX" sz="2400" dirty="0" smtClean="0"/>
+              <a:t>ariable &lt;= 17</a:t>
+            </a:r>
+          </a:p>
+          <a:p>
             <a:pPr marL="0" indent="0">
               <a:buNone/>
             </a:pPr>
             <a:endParaRPr lang="es-MX" sz="2400" dirty="0" smtClean="0"/>
           </a:p>
+          <a:p>
+            <a:pPr marL="0" indent="0" algn="ctr">
+              <a:buNone/>
+            </a:pPr>
+            <a:r>
+              <a:rPr lang="es-MX" sz="3600" b="1" dirty="0" smtClean="0"/>
+              <a:t>! (P &amp;&amp; Q) ↔ (!P) || (!Q)</a:t>
+            </a:r>
+          </a:p>
+          <a:p>
+            <a:pPr marL="0" indent="0" algn="ctr">
+              <a:buNone/>
+            </a:pPr>
+            <a:r>
+              <a:rPr lang="es-MX" sz="3600" b="1" dirty="0"/>
+              <a:t>! (P </a:t>
+            </a:r>
+            <a:r>
+              <a:rPr lang="es-MX" sz="3600" b="1" dirty="0" smtClean="0"/>
+              <a:t>|| </a:t>
+            </a:r>
+            <a:r>
+              <a:rPr lang="es-MX" sz="3600" b="1" dirty="0"/>
+              <a:t>Q) ↔ (!P) </a:t>
+            </a:r>
+            <a:r>
+              <a:rPr lang="es-MX" sz="3600" b="1" dirty="0" smtClean="0"/>
+              <a:t>&amp;&amp; </a:t>
+            </a:r>
+            <a:r>
+              <a:rPr lang="es-MX" sz="3600" b="1" dirty="0"/>
+              <a:t>(!Q)</a:t>
+            </a:r>
+            <a:endParaRPr lang="es-MX" sz="3600" b="1" dirty="0" smtClean="0"/>
+          </a:p>
         </p:txBody>
       </p:sp>
+      <p:pic>
+        <p:nvPicPr>
+          <p:cNvPr id="4" name="Imagen 3"/>
+          <p:cNvPicPr>
+            <a:picLocks noChangeAspect="1"/>
+          </p:cNvPicPr>
+          <p:nvPr/>
+        </p:nvPicPr>
+        <p:blipFill>
+          <a:blip r:embed="rId3"/>
+          <a:stretch>
+            <a:fillRect/>
+          </a:stretch>
+        </p:blipFill>
+        <p:spPr>
+          <a:xfrm>
+            <a:off x="0" y="3771093"/>
+            <a:ext cx="4602997" cy="2784690"/>
+          </a:xfrm>
+          <a:prstGeom prst="rect">
+            <a:avLst/>
+          </a:prstGeom>
+        </p:spPr>
+      </p:pic>
+      <p:pic>
+        <p:nvPicPr>
+          <p:cNvPr id="5" name="Imagen 4"/>
+          <p:cNvPicPr>
+            <a:picLocks noChangeAspect="1"/>
+          </p:cNvPicPr>
+          <p:nvPr/>
+        </p:nvPicPr>
+        <p:blipFill>
+          <a:blip r:embed="rId4"/>
+          <a:stretch>
+            <a:fillRect/>
+          </a:stretch>
+        </p:blipFill>
+        <p:spPr>
+          <a:xfrm>
+            <a:off x="4602997" y="3771093"/>
+            <a:ext cx="4541003" cy="2784690"/>
+          </a:xfrm>
+          <a:prstGeom prst="rect">
+            <a:avLst/>
+          </a:prstGeom>
+        </p:spPr>
+      </p:pic>
     </p:spTree>
     <p:extLst>
       <p:ext uri="{BB962C8B-B14F-4D97-AF65-F5344CB8AC3E}">
-        <p14:creationId xmlns:p14="http://schemas.microsoft.com/office/powerpoint/2010/main" val="1355818000"/>
+        <p14:creationId xmlns:p14="http://schemas.microsoft.com/office/powerpoint/2010/main" val="212367630"/>
       </p:ext>
     </p:extLst>
   </p:cSld>
   <p:clrMapOvr>
     <a:masterClrMapping/>
   </p:clrMapOvr>
+  <p:timing>
+    <p:tnLst>
+      <p:par>
+        <p:cTn id="1" dur="indefinite" restart="never" nodeType="tmRoot"/>
+      </p:par>
+    </p:tnLst>
+  </p:timing>
 </p:sld>
 </file>
 
@@ -12908,7 +13178,7 @@
           <a:lstStyle/>
           <a:p>
             <a:r>
-              <a:rPr lang="es-MX" dirty="0" smtClean="0"/>
+              <a:rPr lang="es-MX" smtClean="0"/>
               <a:t>Para la próxima clase</a:t>
             </a:r>
             <a:endParaRPr lang="en-US" dirty="0"/>
@@ -12939,6 +13209,33 @@
           <a:p>
             <a:r>
               <a:rPr lang="es-MX" sz="2400" dirty="0" smtClean="0"/>
+              <a:t>TODO EL MATERIAL EN</a:t>
+            </a:r>
+            <a:r>
+              <a:rPr lang="es-MX" sz="2400" dirty="0"/>
+              <a:t>: </a:t>
+            </a:r>
+            <a:r>
+              <a:rPr lang="es-MX" sz="3200" b="1" dirty="0" smtClean="0"/>
+              <a:t>github.com/</a:t>
+            </a:r>
+            <a:r>
+              <a:rPr lang="es-MX" sz="3200" b="1" dirty="0" err="1" smtClean="0"/>
+              <a:t>mauricioCerizza</a:t>
+            </a:r>
+            <a:r>
+              <a:rPr lang="es-MX" sz="3200" b="1" dirty="0" smtClean="0"/>
+              <a:t>/</a:t>
+            </a:r>
+            <a:r>
+              <a:rPr lang="es-MX" sz="3200" b="1" dirty="0" err="1" smtClean="0"/>
+              <a:t>Curso_Ingreso</a:t>
+            </a:r>
+            <a:endParaRPr lang="es-MX" sz="3200" b="1" dirty="0" smtClean="0"/>
+          </a:p>
+          <a:p>
+            <a:r>
+              <a:rPr lang="es-MX" sz="2400" dirty="0" smtClean="0"/>
               <a:t>Hacer </a:t>
             </a:r>
             <a:r>
@@ -12985,8 +13282,24 @@
             </a:r>
             <a:r>
               <a:rPr lang="es-MX" sz="2400" dirty="0" smtClean="0"/>
-              <a:t>.</a:t>
-            </a:r>
+              <a:t>: </a:t>
+            </a:r>
+          </a:p>
+          <a:p>
+            <a:pPr marL="0" indent="0" algn="ctr">
+              <a:buNone/>
+            </a:pPr>
+            <a:r>
+              <a:rPr lang="es-MX" sz="4000" b="1" dirty="0"/>
+              <a:t>c</a:t>
+            </a:r>
+            <a:r>
+              <a:rPr lang="es-MX" sz="4000" b="1" dirty="0" smtClean="0"/>
+              <a:t>urso-ingreso.slack.com</a:t>
+            </a:r>
+          </a:p>
+          <a:p>
+            <a:endParaRPr lang="es-MX" sz="2400" dirty="0" smtClean="0"/>
           </a:p>
         </p:txBody>
       </p:sp>
@@ -13000,6 +13313,13 @@
   <p:clrMapOvr>
     <a:masterClrMapping/>
   </p:clrMapOvr>
+  <p:timing>
+    <p:tnLst>
+      <p:par>
+        <p:cTn id="1" dur="indefinite" restart="never" nodeType="tmRoot"/>
+      </p:par>
+    </p:tnLst>
+  </p:timing>
 </p:sld>
 </file>
 
@@ -13060,518 +13380,17 @@
   <p:clrMapOvr>
     <a:masterClrMapping/>
   </p:clrMapOvr>
+  <p:timing>
+    <p:tnLst>
+      <p:par>
+        <p:cTn id="1" dur="indefinite" restart="never" nodeType="tmRoot"/>
+      </p:par>
+    </p:tnLst>
+  </p:timing>
 </p:sld>
 </file>
 
 <file path=ppt/slides/slide4.xml><?xml version="1.0" encoding="utf-8"?>
-<p:sld xmlns:a="http://schemas.openxmlformats.org/drawingml/2006/main" xmlns:r="http://schemas.openxmlformats.org/officeDocument/2006/relationships" xmlns:p="http://schemas.openxmlformats.org/presentationml/2006/main">
-  <p:cSld>
-    <p:spTree>
-      <p:nvGrpSpPr>
-        <p:cNvPr id="1" name=""/>
-        <p:cNvGrpSpPr/>
-        <p:nvPr/>
-      </p:nvGrpSpPr>
-      <p:grpSpPr>
-        <a:xfrm>
-          <a:off x="0" y="0"/>
-          <a:ext cx="0" cy="0"/>
-          <a:chOff x="0" y="0"/>
-          <a:chExt cx="0" cy="0"/>
-        </a:xfrm>
-      </p:grpSpPr>
-      <p:sp>
-        <p:nvSpPr>
-          <p:cNvPr id="2" name="Título 1"/>
-          <p:cNvSpPr>
-            <a:spLocks noGrp="1"/>
-          </p:cNvSpPr>
-          <p:nvPr>
-            <p:ph type="title"/>
-          </p:nvPr>
-        </p:nvSpPr>
-        <p:spPr/>
-        <p:txBody>
-          <a:bodyPr/>
-          <a:lstStyle/>
-          <a:p>
-            <a:r>
-              <a:rPr lang="es-MX" dirty="0" smtClean="0"/>
-              <a:t>Tipos de datos en </a:t>
-            </a:r>
-            <a:r>
-              <a:rPr lang="es-MX" dirty="0" err="1" smtClean="0"/>
-              <a:t>Javascript</a:t>
-            </a:r>
-            <a:endParaRPr lang="en-US" dirty="0"/>
-          </a:p>
-        </p:txBody>
-      </p:sp>
-      <p:graphicFrame>
-        <p:nvGraphicFramePr>
-          <p:cNvPr id="4" name="Marcador de contenido 3"/>
-          <p:cNvGraphicFramePr>
-            <a:graphicFrameLocks noGrp="1"/>
-          </p:cNvGraphicFramePr>
-          <p:nvPr>
-            <p:ph idx="1"/>
-            <p:extLst>
-              <p:ext uri="{D42A27DB-BD31-4B8C-83A1-F6EECF244321}">
-                <p14:modId xmlns:p14="http://schemas.microsoft.com/office/powerpoint/2010/main" val="3499848125"/>
-              </p:ext>
-            </p:extLst>
-          </p:nvPr>
-        </p:nvGraphicFramePr>
-        <p:xfrm>
-          <a:off x="628650" y="1690689"/>
-          <a:ext cx="7886700" cy="3032760"/>
-        </p:xfrm>
-        <a:graphic>
-          <a:graphicData uri="http://schemas.openxmlformats.org/drawingml/2006/table">
-            <a:tbl>
-              <a:tblPr firstRow="1" bandRow="1">
-                <a:tableStyleId>{616DA210-FB5B-4158-B5E0-FEB733F419BA}</a:tableStyleId>
-              </a:tblPr>
-              <a:tblGrid>
-                <a:gridCol w="2621626">
-                  <a:extLst>
-                    <a:ext uri="{9D8B030D-6E8A-4147-A177-3AD203B41FA5}">
-                      <a16:colId xmlns:a16="http://schemas.microsoft.com/office/drawing/2014/main" val="2878145690"/>
-                    </a:ext>
-                  </a:extLst>
-                </a:gridCol>
-                <a:gridCol w="3574473">
-                  <a:extLst>
-                    <a:ext uri="{9D8B030D-6E8A-4147-A177-3AD203B41FA5}">
-                      <a16:colId xmlns:a16="http://schemas.microsoft.com/office/drawing/2014/main" val="3721043963"/>
-                    </a:ext>
-                  </a:extLst>
-                </a:gridCol>
-                <a:gridCol w="1690601">
-                  <a:extLst>
-                    <a:ext uri="{9D8B030D-6E8A-4147-A177-3AD203B41FA5}">
-                      <a16:colId xmlns:a16="http://schemas.microsoft.com/office/drawing/2014/main" val="1998882473"/>
-                    </a:ext>
-                  </a:extLst>
-                </a:gridCol>
-              </a:tblGrid>
-              <a:tr h="370840">
-                <a:tc>
-                  <a:txBody>
-                    <a:bodyPr/>
-                    <a:lstStyle/>
-                    <a:p>
-                      <a:r>
-                        <a:rPr lang="es-MX" dirty="0" smtClean="0"/>
-                        <a:t>Tipo</a:t>
-                      </a:r>
-                      <a:endParaRPr lang="en-US" dirty="0"/>
-                    </a:p>
-                  </a:txBody>
-                  <a:tcPr>
-                    <a:solidFill>
-                      <a:schemeClr val="accent2">
-                        <a:lumMod val="60000"/>
-                        <a:lumOff val="40000"/>
-                      </a:schemeClr>
-                    </a:solidFill>
-                  </a:tcPr>
-                </a:tc>
-                <a:tc>
-                  <a:txBody>
-                    <a:bodyPr/>
-                    <a:lstStyle/>
-                    <a:p>
-                      <a:r>
-                        <a:rPr lang="es-MX" dirty="0" smtClean="0"/>
-                        <a:t>Descripción</a:t>
-                      </a:r>
-                      <a:endParaRPr lang="en-US" dirty="0"/>
-                    </a:p>
-                  </a:txBody>
-                  <a:tcPr>
-                    <a:solidFill>
-                      <a:schemeClr val="accent2">
-                        <a:lumMod val="60000"/>
-                        <a:lumOff val="40000"/>
-                      </a:schemeClr>
-                    </a:solidFill>
-                  </a:tcPr>
-                </a:tc>
-                <a:tc>
-                  <a:txBody>
-                    <a:bodyPr/>
-                    <a:lstStyle/>
-                    <a:p>
-                      <a:r>
-                        <a:rPr lang="es-MX" dirty="0" smtClean="0"/>
-                        <a:t>Ejemplo</a:t>
-                      </a:r>
-                      <a:endParaRPr lang="en-US" dirty="0"/>
-                    </a:p>
-                  </a:txBody>
-                  <a:tcPr>
-                    <a:solidFill>
-                      <a:schemeClr val="accent2">
-                        <a:lumMod val="60000"/>
-                        <a:lumOff val="40000"/>
-                      </a:schemeClr>
-                    </a:solidFill>
-                  </a:tcPr>
-                </a:tc>
-                <a:extLst>
-                  <a:ext uri="{0D108BD9-81ED-4DB2-BD59-A6C34878D82A}">
-                    <a16:rowId xmlns:a16="http://schemas.microsoft.com/office/drawing/2014/main" val="2038365523"/>
-                  </a:ext>
-                </a:extLst>
-              </a:tr>
-              <a:tr h="370840">
-                <a:tc>
-                  <a:txBody>
-                    <a:bodyPr/>
-                    <a:lstStyle/>
-                    <a:p>
-                      <a:r>
-                        <a:rPr lang="es-MX" dirty="0" err="1" smtClean="0"/>
-                        <a:t>Number</a:t>
-                      </a:r>
-                      <a:endParaRPr lang="en-US" dirty="0"/>
-                    </a:p>
-                  </a:txBody>
-                  <a:tcPr anchor="ctr">
-                    <a:solidFill>
-                      <a:schemeClr val="bg1"/>
-                    </a:solidFill>
-                  </a:tcPr>
-                </a:tc>
-                <a:tc>
-                  <a:txBody>
-                    <a:bodyPr/>
-                    <a:lstStyle/>
-                    <a:p>
-                      <a:r>
-                        <a:rPr lang="es-MX" dirty="0" smtClean="0"/>
-                        <a:t>Valores numéricos. Enteros</a:t>
-                      </a:r>
-                      <a:r>
-                        <a:rPr lang="es-MX" baseline="0" dirty="0" smtClean="0"/>
-                        <a:t> o flotantes.</a:t>
-                      </a:r>
-                      <a:endParaRPr lang="en-US" dirty="0"/>
-                    </a:p>
-                  </a:txBody>
-                  <a:tcPr anchor="ctr">
-                    <a:solidFill>
-                      <a:schemeClr val="bg1"/>
-                    </a:solidFill>
-                  </a:tcPr>
-                </a:tc>
-                <a:tc>
-                  <a:txBody>
-                    <a:bodyPr/>
-                    <a:lstStyle/>
-                    <a:p>
-                      <a:r>
-                        <a:rPr lang="es-MX" dirty="0" smtClean="0"/>
-                        <a:t>10</a:t>
-                      </a:r>
-                      <a:endParaRPr lang="en-US" dirty="0"/>
-                    </a:p>
-                  </a:txBody>
-                  <a:tcPr anchor="ctr">
-                    <a:solidFill>
-                      <a:schemeClr val="bg1"/>
-                    </a:solidFill>
-                  </a:tcPr>
-                </a:tc>
-                <a:extLst>
-                  <a:ext uri="{0D108BD9-81ED-4DB2-BD59-A6C34878D82A}">
-                    <a16:rowId xmlns:a16="http://schemas.microsoft.com/office/drawing/2014/main" val="3362990065"/>
-                  </a:ext>
-                </a:extLst>
-              </a:tr>
-              <a:tr h="370840">
-                <a:tc>
-                  <a:txBody>
-                    <a:bodyPr/>
-                    <a:lstStyle/>
-                    <a:p>
-                      <a:r>
-                        <a:rPr lang="es-MX" dirty="0" err="1" smtClean="0"/>
-                        <a:t>Boolean</a:t>
-                      </a:r>
-                      <a:endParaRPr lang="en-US" dirty="0"/>
-                    </a:p>
-                  </a:txBody>
-                  <a:tcPr anchor="ctr">
-                    <a:solidFill>
-                      <a:schemeClr val="bg1"/>
-                    </a:solidFill>
-                  </a:tcPr>
-                </a:tc>
-                <a:tc>
-                  <a:txBody>
-                    <a:bodyPr/>
-                    <a:lstStyle/>
-                    <a:p>
-                      <a:r>
-                        <a:rPr lang="es-MX" dirty="0" smtClean="0"/>
-                        <a:t>Tipo lógico.</a:t>
-                      </a:r>
-                      <a:r>
-                        <a:rPr lang="es-MX" baseline="0" dirty="0" smtClean="0"/>
-                        <a:t> Sólo puede tener dos valores: verdadero o falso.</a:t>
-                      </a:r>
-                      <a:endParaRPr lang="en-US" dirty="0"/>
-                    </a:p>
-                  </a:txBody>
-                  <a:tcPr anchor="ctr">
-                    <a:solidFill>
-                      <a:schemeClr val="bg1"/>
-                    </a:solidFill>
-                  </a:tcPr>
-                </a:tc>
-                <a:tc>
-                  <a:txBody>
-                    <a:bodyPr/>
-                    <a:lstStyle/>
-                    <a:p>
-                      <a:r>
-                        <a:rPr lang="es-MX" dirty="0" smtClean="0"/>
-                        <a:t>true</a:t>
-                      </a:r>
-                      <a:r>
-                        <a:rPr lang="es-MX" baseline="0" dirty="0" smtClean="0"/>
-                        <a:t> / false</a:t>
-                      </a:r>
-                      <a:endParaRPr lang="en-US" dirty="0"/>
-                    </a:p>
-                  </a:txBody>
-                  <a:tcPr anchor="ctr">
-                    <a:solidFill>
-                      <a:schemeClr val="bg1"/>
-                    </a:solidFill>
-                  </a:tcPr>
-                </a:tc>
-                <a:extLst>
-                  <a:ext uri="{0D108BD9-81ED-4DB2-BD59-A6C34878D82A}">
-                    <a16:rowId xmlns:a16="http://schemas.microsoft.com/office/drawing/2014/main" val="212279757"/>
-                  </a:ext>
-                </a:extLst>
-              </a:tr>
-              <a:tr h="370840">
-                <a:tc>
-                  <a:txBody>
-                    <a:bodyPr/>
-                    <a:lstStyle/>
-                    <a:p>
-                      <a:r>
-                        <a:rPr lang="es-MX" dirty="0" err="1" smtClean="0"/>
-                        <a:t>String</a:t>
-                      </a:r>
-                      <a:endParaRPr lang="en-US" dirty="0"/>
-                    </a:p>
-                  </a:txBody>
-                  <a:tcPr anchor="ctr">
-                    <a:solidFill>
-                      <a:schemeClr val="bg1"/>
-                    </a:solidFill>
-                  </a:tcPr>
-                </a:tc>
-                <a:tc>
-                  <a:txBody>
-                    <a:bodyPr/>
-                    <a:lstStyle/>
-                    <a:p>
-                      <a:r>
-                        <a:rPr lang="es-MX" dirty="0" smtClean="0"/>
-                        <a:t>Cadenas de caracteres. Texto.</a:t>
-                      </a:r>
-                      <a:endParaRPr lang="en-US" dirty="0"/>
-                    </a:p>
-                  </a:txBody>
-                  <a:tcPr anchor="ctr">
-                    <a:solidFill>
-                      <a:schemeClr val="bg1"/>
-                    </a:solidFill>
-                  </a:tcPr>
-                </a:tc>
-                <a:tc>
-                  <a:txBody>
-                    <a:bodyPr/>
-                    <a:lstStyle/>
-                    <a:p>
-                      <a:r>
-                        <a:rPr lang="es-MX" dirty="0" smtClean="0"/>
-                        <a:t>“Hol</a:t>
-                      </a:r>
-                      <a:r>
-                        <a:rPr lang="es-MX" baseline="0" dirty="0" smtClean="0"/>
-                        <a:t>a Mundo”</a:t>
-                      </a:r>
-                      <a:endParaRPr lang="en-US" dirty="0"/>
-                    </a:p>
-                  </a:txBody>
-                  <a:tcPr anchor="ctr">
-                    <a:solidFill>
-                      <a:schemeClr val="bg1"/>
-                    </a:solidFill>
-                  </a:tcPr>
-                </a:tc>
-                <a:extLst>
-                  <a:ext uri="{0D108BD9-81ED-4DB2-BD59-A6C34878D82A}">
-                    <a16:rowId xmlns:a16="http://schemas.microsoft.com/office/drawing/2014/main" val="3163650705"/>
-                  </a:ext>
-                </a:extLst>
-              </a:tr>
-              <a:tr h="370840">
-                <a:tc>
-                  <a:txBody>
-                    <a:bodyPr/>
-                    <a:lstStyle/>
-                    <a:p>
-                      <a:r>
-                        <a:rPr lang="es-MX" dirty="0" err="1" smtClean="0"/>
-                        <a:t>Null</a:t>
-                      </a:r>
-                      <a:endParaRPr lang="en-US" dirty="0"/>
-                    </a:p>
-                  </a:txBody>
-                  <a:tcPr anchor="ctr">
-                    <a:solidFill>
-                      <a:schemeClr val="bg1"/>
-                    </a:solidFill>
-                  </a:tcPr>
-                </a:tc>
-                <a:tc>
-                  <a:txBody>
-                    <a:bodyPr/>
-                    <a:lstStyle/>
-                    <a:p>
-                      <a:r>
-                        <a:rPr lang="es-MX" dirty="0" smtClean="0"/>
-                        <a:t>Vacío,</a:t>
-                      </a:r>
-                      <a:r>
-                        <a:rPr lang="es-MX" baseline="0" dirty="0" smtClean="0"/>
-                        <a:t> no tiene valor.</a:t>
-                      </a:r>
-                      <a:endParaRPr lang="en-US" dirty="0"/>
-                    </a:p>
-                  </a:txBody>
-                  <a:tcPr anchor="ctr">
-                    <a:solidFill>
-                      <a:schemeClr val="bg1"/>
-                    </a:solidFill>
-                  </a:tcPr>
-                </a:tc>
-                <a:tc>
-                  <a:txBody>
-                    <a:bodyPr/>
-                    <a:lstStyle/>
-                    <a:p>
-                      <a:r>
-                        <a:rPr lang="es-MX" dirty="0" err="1" smtClean="0"/>
-                        <a:t>null</a:t>
-                      </a:r>
-                      <a:endParaRPr lang="en-US" dirty="0"/>
-                    </a:p>
-                  </a:txBody>
-                  <a:tcPr anchor="ctr">
-                    <a:solidFill>
-                      <a:schemeClr val="bg1"/>
-                    </a:solidFill>
-                  </a:tcPr>
-                </a:tc>
-                <a:extLst>
-                  <a:ext uri="{0D108BD9-81ED-4DB2-BD59-A6C34878D82A}">
-                    <a16:rowId xmlns:a16="http://schemas.microsoft.com/office/drawing/2014/main" val="4198039194"/>
-                  </a:ext>
-                </a:extLst>
-              </a:tr>
-              <a:tr h="370840">
-                <a:tc>
-                  <a:txBody>
-                    <a:bodyPr/>
-                    <a:lstStyle/>
-                    <a:p>
-                      <a:r>
-                        <a:rPr lang="es-MX" dirty="0" err="1" smtClean="0"/>
-                        <a:t>Undefined</a:t>
-                      </a:r>
-                      <a:endParaRPr lang="en-US" dirty="0"/>
-                    </a:p>
-                  </a:txBody>
-                  <a:tcPr anchor="ctr">
-                    <a:solidFill>
-                      <a:schemeClr val="bg1"/>
-                    </a:solidFill>
-                  </a:tcPr>
-                </a:tc>
-                <a:tc>
-                  <a:txBody>
-                    <a:bodyPr/>
-                    <a:lstStyle/>
-                    <a:p>
-                      <a:r>
-                        <a:rPr lang="es-MX" dirty="0" smtClean="0"/>
-                        <a:t>Aún no se le asignó un valor.</a:t>
-                      </a:r>
-                      <a:r>
-                        <a:rPr lang="es-MX" baseline="0" dirty="0" smtClean="0"/>
-                        <a:t> No fue inicializada.</a:t>
-                      </a:r>
-                      <a:endParaRPr lang="en-US" dirty="0"/>
-                    </a:p>
-                  </a:txBody>
-                  <a:tcPr anchor="ctr">
-                    <a:solidFill>
-                      <a:schemeClr val="bg1"/>
-                    </a:solidFill>
-                  </a:tcPr>
-                </a:tc>
-                <a:tc>
-                  <a:txBody>
-                    <a:bodyPr/>
-                    <a:lstStyle/>
-                    <a:p>
-                      <a:r>
-                        <a:rPr lang="es-MX" dirty="0" err="1" smtClean="0"/>
-                        <a:t>undefined</a:t>
-                      </a:r>
-                      <a:endParaRPr lang="en-US" dirty="0"/>
-                    </a:p>
-                  </a:txBody>
-                  <a:tcPr anchor="ctr">
-                    <a:solidFill>
-                      <a:schemeClr val="bg1"/>
-                    </a:solidFill>
-                  </a:tcPr>
-                </a:tc>
-                <a:extLst>
-                  <a:ext uri="{0D108BD9-81ED-4DB2-BD59-A6C34878D82A}">
-                    <a16:rowId xmlns:a16="http://schemas.microsoft.com/office/drawing/2014/main" val="1942354139"/>
-                  </a:ext>
-                </a:extLst>
-              </a:tr>
-            </a:tbl>
-          </a:graphicData>
-        </a:graphic>
-      </p:graphicFrame>
-    </p:spTree>
-    <p:extLst>
-      <p:ext uri="{BB962C8B-B14F-4D97-AF65-F5344CB8AC3E}">
-        <p14:creationId xmlns:p14="http://schemas.microsoft.com/office/powerpoint/2010/main" val="1976148942"/>
-      </p:ext>
-    </p:extLst>
-  </p:cSld>
-  <p:clrMapOvr>
-    <a:masterClrMapping/>
-  </p:clrMapOvr>
-</p:sld>
-</file>
-
-<file path=ppt/slides/slide5.xml><?xml version="1.0" encoding="utf-8"?>
 <p:sld xmlns:a="http://schemas.openxmlformats.org/drawingml/2006/main" xmlns:r="http://schemas.openxmlformats.org/officeDocument/2006/relationships" xmlns:p="http://schemas.openxmlformats.org/presentationml/2006/main">
   <p:cSld>
     <p:spTree>
@@ -13704,6 +13523,528 @@
   <p:clrMapOvr>
     <a:masterClrMapping/>
   </p:clrMapOvr>
+  <p:timing>
+    <p:tnLst>
+      <p:par>
+        <p:cTn id="1" dur="indefinite" restart="never" nodeType="tmRoot"/>
+      </p:par>
+    </p:tnLst>
+  </p:timing>
+</p:sld>
+</file>
+
+<file path=ppt/slides/slide5.xml><?xml version="1.0" encoding="utf-8"?>
+<p:sld xmlns:a="http://schemas.openxmlformats.org/drawingml/2006/main" xmlns:r="http://schemas.openxmlformats.org/officeDocument/2006/relationships" xmlns:p="http://schemas.openxmlformats.org/presentationml/2006/main">
+  <p:cSld>
+    <p:spTree>
+      <p:nvGrpSpPr>
+        <p:cNvPr id="1" name=""/>
+        <p:cNvGrpSpPr/>
+        <p:nvPr/>
+      </p:nvGrpSpPr>
+      <p:grpSpPr>
+        <a:xfrm>
+          <a:off x="0" y="0"/>
+          <a:ext cx="0" cy="0"/>
+          <a:chOff x="0" y="0"/>
+          <a:chExt cx="0" cy="0"/>
+        </a:xfrm>
+      </p:grpSpPr>
+      <p:sp>
+        <p:nvSpPr>
+          <p:cNvPr id="2" name="Título 1"/>
+          <p:cNvSpPr>
+            <a:spLocks noGrp="1"/>
+          </p:cNvSpPr>
+          <p:nvPr>
+            <p:ph type="title"/>
+          </p:nvPr>
+        </p:nvSpPr>
+        <p:spPr/>
+        <p:txBody>
+          <a:bodyPr/>
+          <a:lstStyle/>
+          <a:p>
+            <a:r>
+              <a:rPr lang="es-MX" dirty="0" smtClean="0"/>
+              <a:t>Tipos de datos en </a:t>
+            </a:r>
+            <a:r>
+              <a:rPr lang="es-MX" dirty="0" err="1" smtClean="0"/>
+              <a:t>Javascript</a:t>
+            </a:r>
+            <a:endParaRPr lang="en-US" dirty="0"/>
+          </a:p>
+        </p:txBody>
+      </p:sp>
+      <p:graphicFrame>
+        <p:nvGraphicFramePr>
+          <p:cNvPr id="4" name="Marcador de contenido 3"/>
+          <p:cNvGraphicFramePr>
+            <a:graphicFrameLocks noGrp="1"/>
+          </p:cNvGraphicFramePr>
+          <p:nvPr>
+            <p:ph idx="1"/>
+            <p:extLst>
+              <p:ext uri="{D42A27DB-BD31-4B8C-83A1-F6EECF244321}">
+                <p14:modId xmlns:p14="http://schemas.microsoft.com/office/powerpoint/2010/main" val="3499848125"/>
+              </p:ext>
+            </p:extLst>
+          </p:nvPr>
+        </p:nvGraphicFramePr>
+        <p:xfrm>
+          <a:off x="628650" y="1690689"/>
+          <a:ext cx="7886700" cy="3032760"/>
+        </p:xfrm>
+        <a:graphic>
+          <a:graphicData uri="http://schemas.openxmlformats.org/drawingml/2006/table">
+            <a:tbl>
+              <a:tblPr firstRow="1" bandRow="1">
+                <a:tableStyleId>{616DA210-FB5B-4158-B5E0-FEB733F419BA}</a:tableStyleId>
+              </a:tblPr>
+              <a:tblGrid>
+                <a:gridCol w="2621626">
+                  <a:extLst>
+                    <a:ext uri="{9D8B030D-6E8A-4147-A177-3AD203B41FA5}">
+                      <a16:colId xmlns:a16="http://schemas.microsoft.com/office/drawing/2014/main" xmlns="" val="2878145690"/>
+                    </a:ext>
+                  </a:extLst>
+                </a:gridCol>
+                <a:gridCol w="3574473">
+                  <a:extLst>
+                    <a:ext uri="{9D8B030D-6E8A-4147-A177-3AD203B41FA5}">
+                      <a16:colId xmlns:a16="http://schemas.microsoft.com/office/drawing/2014/main" xmlns="" val="3721043963"/>
+                    </a:ext>
+                  </a:extLst>
+                </a:gridCol>
+                <a:gridCol w="1690601">
+                  <a:extLst>
+                    <a:ext uri="{9D8B030D-6E8A-4147-A177-3AD203B41FA5}">
+                      <a16:colId xmlns:a16="http://schemas.microsoft.com/office/drawing/2014/main" xmlns="" val="1998882473"/>
+                    </a:ext>
+                  </a:extLst>
+                </a:gridCol>
+              </a:tblGrid>
+              <a:tr h="370840">
+                <a:tc>
+                  <a:txBody>
+                    <a:bodyPr/>
+                    <a:lstStyle/>
+                    <a:p>
+                      <a:r>
+                        <a:rPr lang="es-MX" dirty="0" smtClean="0"/>
+                        <a:t>Tipo</a:t>
+                      </a:r>
+                      <a:endParaRPr lang="en-US" dirty="0"/>
+                    </a:p>
+                  </a:txBody>
+                  <a:tcPr>
+                    <a:solidFill>
+                      <a:schemeClr val="accent2">
+                        <a:lumMod val="60000"/>
+                        <a:lumOff val="40000"/>
+                      </a:schemeClr>
+                    </a:solidFill>
+                  </a:tcPr>
+                </a:tc>
+                <a:tc>
+                  <a:txBody>
+                    <a:bodyPr/>
+                    <a:lstStyle/>
+                    <a:p>
+                      <a:r>
+                        <a:rPr lang="es-MX" dirty="0" smtClean="0"/>
+                        <a:t>Descripción</a:t>
+                      </a:r>
+                      <a:endParaRPr lang="en-US" dirty="0"/>
+                    </a:p>
+                  </a:txBody>
+                  <a:tcPr>
+                    <a:solidFill>
+                      <a:schemeClr val="accent2">
+                        <a:lumMod val="60000"/>
+                        <a:lumOff val="40000"/>
+                      </a:schemeClr>
+                    </a:solidFill>
+                  </a:tcPr>
+                </a:tc>
+                <a:tc>
+                  <a:txBody>
+                    <a:bodyPr/>
+                    <a:lstStyle/>
+                    <a:p>
+                      <a:r>
+                        <a:rPr lang="es-MX" dirty="0" smtClean="0"/>
+                        <a:t>Ejemplo</a:t>
+                      </a:r>
+                      <a:endParaRPr lang="en-US" dirty="0"/>
+                    </a:p>
+                  </a:txBody>
+                  <a:tcPr>
+                    <a:solidFill>
+                      <a:schemeClr val="accent2">
+                        <a:lumMod val="60000"/>
+                        <a:lumOff val="40000"/>
+                      </a:schemeClr>
+                    </a:solidFill>
+                  </a:tcPr>
+                </a:tc>
+                <a:extLst>
+                  <a:ext uri="{0D108BD9-81ED-4DB2-BD59-A6C34878D82A}">
+                    <a16:rowId xmlns:a16="http://schemas.microsoft.com/office/drawing/2014/main" xmlns="" val="2038365523"/>
+                  </a:ext>
+                </a:extLst>
+              </a:tr>
+              <a:tr h="370840">
+                <a:tc>
+                  <a:txBody>
+                    <a:bodyPr/>
+                    <a:lstStyle/>
+                    <a:p>
+                      <a:r>
+                        <a:rPr lang="es-MX" dirty="0" err="1" smtClean="0"/>
+                        <a:t>Number</a:t>
+                      </a:r>
+                      <a:endParaRPr lang="en-US" dirty="0"/>
+                    </a:p>
+                  </a:txBody>
+                  <a:tcPr anchor="ctr">
+                    <a:solidFill>
+                      <a:schemeClr val="bg1"/>
+                    </a:solidFill>
+                  </a:tcPr>
+                </a:tc>
+                <a:tc>
+                  <a:txBody>
+                    <a:bodyPr/>
+                    <a:lstStyle/>
+                    <a:p>
+                      <a:r>
+                        <a:rPr lang="es-MX" dirty="0" smtClean="0"/>
+                        <a:t>Valores numéricos. Enteros</a:t>
+                      </a:r>
+                      <a:r>
+                        <a:rPr lang="es-MX" baseline="0" dirty="0" smtClean="0"/>
+                        <a:t> o flotantes.</a:t>
+                      </a:r>
+                      <a:endParaRPr lang="en-US" dirty="0"/>
+                    </a:p>
+                  </a:txBody>
+                  <a:tcPr anchor="ctr">
+                    <a:solidFill>
+                      <a:schemeClr val="bg1"/>
+                    </a:solidFill>
+                  </a:tcPr>
+                </a:tc>
+                <a:tc>
+                  <a:txBody>
+                    <a:bodyPr/>
+                    <a:lstStyle/>
+                    <a:p>
+                      <a:r>
+                        <a:rPr lang="es-MX" dirty="0" smtClean="0"/>
+                        <a:t>10</a:t>
+                      </a:r>
+                      <a:endParaRPr lang="en-US" dirty="0"/>
+                    </a:p>
+                  </a:txBody>
+                  <a:tcPr anchor="ctr">
+                    <a:solidFill>
+                      <a:schemeClr val="bg1"/>
+                    </a:solidFill>
+                  </a:tcPr>
+                </a:tc>
+                <a:extLst>
+                  <a:ext uri="{0D108BD9-81ED-4DB2-BD59-A6C34878D82A}">
+                    <a16:rowId xmlns:a16="http://schemas.microsoft.com/office/drawing/2014/main" xmlns="" val="3362990065"/>
+                  </a:ext>
+                </a:extLst>
+              </a:tr>
+              <a:tr h="370840">
+                <a:tc>
+                  <a:txBody>
+                    <a:bodyPr/>
+                    <a:lstStyle/>
+                    <a:p>
+                      <a:r>
+                        <a:rPr lang="es-MX" dirty="0" err="1" smtClean="0"/>
+                        <a:t>Boolean</a:t>
+                      </a:r>
+                      <a:endParaRPr lang="en-US" dirty="0"/>
+                    </a:p>
+                  </a:txBody>
+                  <a:tcPr anchor="ctr">
+                    <a:solidFill>
+                      <a:schemeClr val="bg1"/>
+                    </a:solidFill>
+                  </a:tcPr>
+                </a:tc>
+                <a:tc>
+                  <a:txBody>
+                    <a:bodyPr/>
+                    <a:lstStyle/>
+                    <a:p>
+                      <a:r>
+                        <a:rPr lang="es-MX" dirty="0" smtClean="0"/>
+                        <a:t>Tipo lógico.</a:t>
+                      </a:r>
+                      <a:r>
+                        <a:rPr lang="es-MX" baseline="0" dirty="0" smtClean="0"/>
+                        <a:t> Sólo puede tener dos valores: verdadero o falso.</a:t>
+                      </a:r>
+                      <a:endParaRPr lang="en-US" dirty="0"/>
+                    </a:p>
+                  </a:txBody>
+                  <a:tcPr anchor="ctr">
+                    <a:solidFill>
+                      <a:schemeClr val="bg1"/>
+                    </a:solidFill>
+                  </a:tcPr>
+                </a:tc>
+                <a:tc>
+                  <a:txBody>
+                    <a:bodyPr/>
+                    <a:lstStyle/>
+                    <a:p>
+                      <a:r>
+                        <a:rPr lang="es-MX" dirty="0" smtClean="0"/>
+                        <a:t>true</a:t>
+                      </a:r>
+                      <a:r>
+                        <a:rPr lang="es-MX" baseline="0" dirty="0" smtClean="0"/>
+                        <a:t> / false</a:t>
+                      </a:r>
+                      <a:endParaRPr lang="en-US" dirty="0"/>
+                    </a:p>
+                  </a:txBody>
+                  <a:tcPr anchor="ctr">
+                    <a:solidFill>
+                      <a:schemeClr val="bg1"/>
+                    </a:solidFill>
+                  </a:tcPr>
+                </a:tc>
+                <a:extLst>
+                  <a:ext uri="{0D108BD9-81ED-4DB2-BD59-A6C34878D82A}">
+                    <a16:rowId xmlns:a16="http://schemas.microsoft.com/office/drawing/2014/main" xmlns="" val="212279757"/>
+                  </a:ext>
+                </a:extLst>
+              </a:tr>
+              <a:tr h="370840">
+                <a:tc>
+                  <a:txBody>
+                    <a:bodyPr/>
+                    <a:lstStyle/>
+                    <a:p>
+                      <a:r>
+                        <a:rPr lang="es-MX" dirty="0" err="1" smtClean="0"/>
+                        <a:t>String</a:t>
+                      </a:r>
+                      <a:endParaRPr lang="en-US" dirty="0"/>
+                    </a:p>
+                  </a:txBody>
+                  <a:tcPr anchor="ctr">
+                    <a:solidFill>
+                      <a:schemeClr val="bg1"/>
+                    </a:solidFill>
+                  </a:tcPr>
+                </a:tc>
+                <a:tc>
+                  <a:txBody>
+                    <a:bodyPr/>
+                    <a:lstStyle/>
+                    <a:p>
+                      <a:r>
+                        <a:rPr lang="es-MX" dirty="0" smtClean="0"/>
+                        <a:t>Cadenas de caracteres. Texto.</a:t>
+                      </a:r>
+                      <a:endParaRPr lang="en-US" dirty="0"/>
+                    </a:p>
+                  </a:txBody>
+                  <a:tcPr anchor="ctr">
+                    <a:solidFill>
+                      <a:schemeClr val="bg1"/>
+                    </a:solidFill>
+                  </a:tcPr>
+                </a:tc>
+                <a:tc>
+                  <a:txBody>
+                    <a:bodyPr/>
+                    <a:lstStyle/>
+                    <a:p>
+                      <a:r>
+                        <a:rPr lang="es-MX" dirty="0" smtClean="0"/>
+                        <a:t>“Hol</a:t>
+                      </a:r>
+                      <a:r>
+                        <a:rPr lang="es-MX" baseline="0" dirty="0" smtClean="0"/>
+                        <a:t>a Mundo”</a:t>
+                      </a:r>
+                      <a:endParaRPr lang="en-US" dirty="0"/>
+                    </a:p>
+                  </a:txBody>
+                  <a:tcPr anchor="ctr">
+                    <a:solidFill>
+                      <a:schemeClr val="bg1"/>
+                    </a:solidFill>
+                  </a:tcPr>
+                </a:tc>
+                <a:extLst>
+                  <a:ext uri="{0D108BD9-81ED-4DB2-BD59-A6C34878D82A}">
+                    <a16:rowId xmlns:a16="http://schemas.microsoft.com/office/drawing/2014/main" xmlns="" val="3163650705"/>
+                  </a:ext>
+                </a:extLst>
+              </a:tr>
+              <a:tr h="370840">
+                <a:tc>
+                  <a:txBody>
+                    <a:bodyPr/>
+                    <a:lstStyle/>
+                    <a:p>
+                      <a:r>
+                        <a:rPr lang="es-MX" dirty="0" err="1" smtClean="0"/>
+                        <a:t>Null</a:t>
+                      </a:r>
+                      <a:endParaRPr lang="en-US" dirty="0"/>
+                    </a:p>
+                  </a:txBody>
+                  <a:tcPr anchor="ctr">
+                    <a:solidFill>
+                      <a:schemeClr val="bg1"/>
+                    </a:solidFill>
+                  </a:tcPr>
+                </a:tc>
+                <a:tc>
+                  <a:txBody>
+                    <a:bodyPr/>
+                    <a:lstStyle/>
+                    <a:p>
+                      <a:r>
+                        <a:rPr lang="es-MX" dirty="0" smtClean="0"/>
+                        <a:t>Vacío,</a:t>
+                      </a:r>
+                      <a:r>
+                        <a:rPr lang="es-MX" baseline="0" dirty="0" smtClean="0"/>
+                        <a:t> no tiene valor.</a:t>
+                      </a:r>
+                      <a:endParaRPr lang="en-US" dirty="0"/>
+                    </a:p>
+                  </a:txBody>
+                  <a:tcPr anchor="ctr">
+                    <a:solidFill>
+                      <a:schemeClr val="bg1"/>
+                    </a:solidFill>
+                  </a:tcPr>
+                </a:tc>
+                <a:tc>
+                  <a:txBody>
+                    <a:bodyPr/>
+                    <a:lstStyle/>
+                    <a:p>
+                      <a:r>
+                        <a:rPr lang="es-MX" dirty="0" err="1" smtClean="0"/>
+                        <a:t>null</a:t>
+                      </a:r>
+                      <a:endParaRPr lang="en-US" dirty="0"/>
+                    </a:p>
+                  </a:txBody>
+                  <a:tcPr anchor="ctr">
+                    <a:solidFill>
+                      <a:schemeClr val="bg1"/>
+                    </a:solidFill>
+                  </a:tcPr>
+                </a:tc>
+                <a:extLst>
+                  <a:ext uri="{0D108BD9-81ED-4DB2-BD59-A6C34878D82A}">
+                    <a16:rowId xmlns:a16="http://schemas.microsoft.com/office/drawing/2014/main" xmlns="" val="4198039194"/>
+                  </a:ext>
+                </a:extLst>
+              </a:tr>
+              <a:tr h="370840">
+                <a:tc>
+                  <a:txBody>
+                    <a:bodyPr/>
+                    <a:lstStyle/>
+                    <a:p>
+                      <a:r>
+                        <a:rPr lang="es-MX" dirty="0" err="1" smtClean="0"/>
+                        <a:t>Undefined</a:t>
+                      </a:r>
+                      <a:endParaRPr lang="en-US" dirty="0"/>
+                    </a:p>
+                  </a:txBody>
+                  <a:tcPr anchor="ctr">
+                    <a:solidFill>
+                      <a:schemeClr val="bg1"/>
+                    </a:solidFill>
+                  </a:tcPr>
+                </a:tc>
+                <a:tc>
+                  <a:txBody>
+                    <a:bodyPr/>
+                    <a:lstStyle/>
+                    <a:p>
+                      <a:r>
+                        <a:rPr lang="es-MX" dirty="0" smtClean="0"/>
+                        <a:t>Aún no se le asignó un valor.</a:t>
+                      </a:r>
+                      <a:r>
+                        <a:rPr lang="es-MX" baseline="0" dirty="0" smtClean="0"/>
+                        <a:t> No fue inicializada.</a:t>
+                      </a:r>
+                      <a:endParaRPr lang="en-US" dirty="0"/>
+                    </a:p>
+                  </a:txBody>
+                  <a:tcPr anchor="ctr">
+                    <a:solidFill>
+                      <a:schemeClr val="bg1"/>
+                    </a:solidFill>
+                  </a:tcPr>
+                </a:tc>
+                <a:tc>
+                  <a:txBody>
+                    <a:bodyPr/>
+                    <a:lstStyle/>
+                    <a:p>
+                      <a:r>
+                        <a:rPr lang="es-MX" dirty="0" err="1" smtClean="0"/>
+                        <a:t>undefined</a:t>
+                      </a:r>
+                      <a:endParaRPr lang="en-US" dirty="0"/>
+                    </a:p>
+                  </a:txBody>
+                  <a:tcPr anchor="ctr">
+                    <a:solidFill>
+                      <a:schemeClr val="bg1"/>
+                    </a:solidFill>
+                  </a:tcPr>
+                </a:tc>
+                <a:extLst>
+                  <a:ext uri="{0D108BD9-81ED-4DB2-BD59-A6C34878D82A}">
+                    <a16:rowId xmlns:a16="http://schemas.microsoft.com/office/drawing/2014/main" xmlns="" val="1942354139"/>
+                  </a:ext>
+                </a:extLst>
+              </a:tr>
+            </a:tbl>
+          </a:graphicData>
+        </a:graphic>
+      </p:graphicFrame>
+    </p:spTree>
+    <p:extLst>
+      <p:ext uri="{BB962C8B-B14F-4D97-AF65-F5344CB8AC3E}">
+        <p14:creationId xmlns:p14="http://schemas.microsoft.com/office/powerpoint/2010/main" val="1976148942"/>
+      </p:ext>
+    </p:extLst>
+  </p:cSld>
+  <p:clrMapOvr>
+    <a:masterClrMapping/>
+  </p:clrMapOvr>
+  <p:timing>
+    <p:tnLst>
+      <p:par>
+        <p:cTn id="1" dur="indefinite" restart="never" nodeType="tmRoot"/>
+      </p:par>
+    </p:tnLst>
+  </p:timing>
 </p:sld>
 </file>
 
@@ -13911,6 +14252,13 @@
   <p:clrMapOvr>
     <a:masterClrMapping/>
   </p:clrMapOvr>
+  <p:timing>
+    <p:tnLst>
+      <p:par>
+        <p:cTn id="1" dur="indefinite" restart="never" nodeType="tmRoot"/>
+      </p:par>
+    </p:tnLst>
+  </p:timing>
 </p:sld>
 </file>
 
@@ -14133,28 +14481,28 @@
                 <a:gridCol w="1971675">
                   <a:extLst>
                     <a:ext uri="{9D8B030D-6E8A-4147-A177-3AD203B41FA5}">
-                      <a16:colId xmlns:a16="http://schemas.microsoft.com/office/drawing/2014/main" val="2878145690"/>
+                      <a16:colId xmlns:a16="http://schemas.microsoft.com/office/drawing/2014/main" xmlns="" val="2878145690"/>
                     </a:ext>
                   </a:extLst>
                 </a:gridCol>
                 <a:gridCol w="1971675">
                   <a:extLst>
                     <a:ext uri="{9D8B030D-6E8A-4147-A177-3AD203B41FA5}">
-                      <a16:colId xmlns:a16="http://schemas.microsoft.com/office/drawing/2014/main" val="3721043963"/>
+                      <a16:colId xmlns:a16="http://schemas.microsoft.com/office/drawing/2014/main" xmlns="" val="3721043963"/>
                     </a:ext>
                   </a:extLst>
                 </a:gridCol>
                 <a:gridCol w="1971675">
                   <a:extLst>
                     <a:ext uri="{9D8B030D-6E8A-4147-A177-3AD203B41FA5}">
-                      <a16:colId xmlns:a16="http://schemas.microsoft.com/office/drawing/2014/main" val="3672629785"/>
+                      <a16:colId xmlns:a16="http://schemas.microsoft.com/office/drawing/2014/main" xmlns="" val="3672629785"/>
                     </a:ext>
                   </a:extLst>
                 </a:gridCol>
                 <a:gridCol w="1971675">
                   <a:extLst>
                     <a:ext uri="{9D8B030D-6E8A-4147-A177-3AD203B41FA5}">
-                      <a16:colId xmlns:a16="http://schemas.microsoft.com/office/drawing/2014/main" val="610125163"/>
+                      <a16:colId xmlns:a16="http://schemas.microsoft.com/office/drawing/2014/main" xmlns="" val="610125163"/>
                     </a:ext>
                   </a:extLst>
                 </a:gridCol>
@@ -14246,7 +14594,7 @@
                 </a:tc>
                 <a:extLst>
                   <a:ext uri="{0D108BD9-81ED-4DB2-BD59-A6C34878D82A}">
-                    <a16:rowId xmlns:a16="http://schemas.microsoft.com/office/drawing/2014/main" val="2038365523"/>
+                    <a16:rowId xmlns:a16="http://schemas.microsoft.com/office/drawing/2014/main" xmlns="" val="2038365523"/>
                   </a:ext>
                 </a:extLst>
               </a:tr>
@@ -14325,7 +14673,7 @@
                 </a:tc>
                 <a:extLst>
                   <a:ext uri="{0D108BD9-81ED-4DB2-BD59-A6C34878D82A}">
-                    <a16:rowId xmlns:a16="http://schemas.microsoft.com/office/drawing/2014/main" val="3362990065"/>
+                    <a16:rowId xmlns:a16="http://schemas.microsoft.com/office/drawing/2014/main" xmlns="" val="3362990065"/>
                   </a:ext>
                 </a:extLst>
               </a:tr>
@@ -14416,7 +14764,7 @@
                 </a:tc>
                 <a:extLst>
                   <a:ext uri="{0D108BD9-81ED-4DB2-BD59-A6C34878D82A}">
-                    <a16:rowId xmlns:a16="http://schemas.microsoft.com/office/drawing/2014/main" val="879128021"/>
+                    <a16:rowId xmlns:a16="http://schemas.microsoft.com/office/drawing/2014/main" xmlns="" val="879128021"/>
                   </a:ext>
                 </a:extLst>
               </a:tr>
@@ -14495,7 +14843,7 @@
                 </a:tc>
                 <a:extLst>
                   <a:ext uri="{0D108BD9-81ED-4DB2-BD59-A6C34878D82A}">
-                    <a16:rowId xmlns:a16="http://schemas.microsoft.com/office/drawing/2014/main" val="212279757"/>
+                    <a16:rowId xmlns:a16="http://schemas.microsoft.com/office/drawing/2014/main" xmlns="" val="212279757"/>
                   </a:ext>
                 </a:extLst>
               </a:tr>
@@ -14578,7 +14926,7 @@
                 </a:tc>
                 <a:extLst>
                   <a:ext uri="{0D108BD9-81ED-4DB2-BD59-A6C34878D82A}">
-                    <a16:rowId xmlns:a16="http://schemas.microsoft.com/office/drawing/2014/main" val="2543401271"/>
+                    <a16:rowId xmlns:a16="http://schemas.microsoft.com/office/drawing/2014/main" xmlns="" val="2543401271"/>
                   </a:ext>
                 </a:extLst>
               </a:tr>
@@ -14614,14 +14962,14 @@
                 <a:gridCol w="2378713">
                   <a:extLst>
                     <a:ext uri="{9D8B030D-6E8A-4147-A177-3AD203B41FA5}">
-                      <a16:colId xmlns:a16="http://schemas.microsoft.com/office/drawing/2014/main" val="2878145690"/>
+                      <a16:colId xmlns:a16="http://schemas.microsoft.com/office/drawing/2014/main" xmlns="" val="2878145690"/>
                     </a:ext>
                   </a:extLst>
                 </a:gridCol>
                 <a:gridCol w="5507989">
                   <a:extLst>
                     <a:ext uri="{9D8B030D-6E8A-4147-A177-3AD203B41FA5}">
-                      <a16:colId xmlns:a16="http://schemas.microsoft.com/office/drawing/2014/main" val="3721043963"/>
+                      <a16:colId xmlns:a16="http://schemas.microsoft.com/office/drawing/2014/main" xmlns="" val="3721043963"/>
                     </a:ext>
                   </a:extLst>
                 </a:gridCol>
@@ -14671,7 +15019,7 @@
                 </a:tc>
                 <a:extLst>
                   <a:ext uri="{0D108BD9-81ED-4DB2-BD59-A6C34878D82A}">
-                    <a16:rowId xmlns:a16="http://schemas.microsoft.com/office/drawing/2014/main" val="2038365523"/>
+                    <a16:rowId xmlns:a16="http://schemas.microsoft.com/office/drawing/2014/main" xmlns="" val="2038365523"/>
                   </a:ext>
                 </a:extLst>
               </a:tr>
@@ -14730,7 +15078,7 @@
                 </a:tc>
                 <a:extLst>
                   <a:ext uri="{0D108BD9-81ED-4DB2-BD59-A6C34878D82A}">
-                    <a16:rowId xmlns:a16="http://schemas.microsoft.com/office/drawing/2014/main" val="3362990065"/>
+                    <a16:rowId xmlns:a16="http://schemas.microsoft.com/office/drawing/2014/main" xmlns="" val="3362990065"/>
                   </a:ext>
                 </a:extLst>
               </a:tr>
@@ -14785,7 +15133,7 @@
                 </a:tc>
                 <a:extLst>
                   <a:ext uri="{0D108BD9-81ED-4DB2-BD59-A6C34878D82A}">
-                    <a16:rowId xmlns:a16="http://schemas.microsoft.com/office/drawing/2014/main" val="879128021"/>
+                    <a16:rowId xmlns:a16="http://schemas.microsoft.com/office/drawing/2014/main" xmlns="" val="879128021"/>
                   </a:ext>
                 </a:extLst>
               </a:tr>

--- a/Clases/[2] Lógica y Control de Flujo.pptx
+++ b/Clases/[2] Lógica y Control de Flujo.pptx
@@ -1243,6 +1243,13 @@
         </dgm:presLayoutVars>
       </dgm:prSet>
       <dgm:spPr/>
+      <dgm:t>
+        <a:bodyPr/>
+        <a:lstStyle/>
+        <a:p>
+          <a:endParaRPr lang="es-ES"/>
+        </a:p>
+      </dgm:t>
     </dgm:pt>
     <dgm:pt modelId="{040B8115-4B76-4BD7-A2B3-C68D3667A132}" type="pres">
       <dgm:prSet presAssocID="{C366E401-F7BD-47FE-90D7-CD004349363D}" presName="parentText" presStyleLbl="node1" presStyleIdx="0" presStyleCnt="4">
@@ -1252,6 +1259,13 @@
         </dgm:presLayoutVars>
       </dgm:prSet>
       <dgm:spPr/>
+      <dgm:t>
+        <a:bodyPr/>
+        <a:lstStyle/>
+        <a:p>
+          <a:endParaRPr lang="es-ES"/>
+        </a:p>
+      </dgm:t>
     </dgm:pt>
     <dgm:pt modelId="{E1627D40-3CF6-42E5-A057-95A870E85542}" type="pres">
       <dgm:prSet presAssocID="{542B0EF0-C5EC-4974-9EF6-C63E349B14CC}" presName="spacer" presStyleCnt="0"/>
@@ -1265,6 +1279,13 @@
         </dgm:presLayoutVars>
       </dgm:prSet>
       <dgm:spPr/>
+      <dgm:t>
+        <a:bodyPr/>
+        <a:lstStyle/>
+        <a:p>
+          <a:endParaRPr lang="es-ES"/>
+        </a:p>
+      </dgm:t>
     </dgm:pt>
     <dgm:pt modelId="{0A5581C9-6E9E-45CA-B251-DCBFDD3FDAEF}" type="pres">
       <dgm:prSet presAssocID="{0F940376-4FB9-49B7-9A8C-45A2BF1F7750}" presName="spacer" presStyleCnt="0"/>
@@ -1278,6 +1299,13 @@
         </dgm:presLayoutVars>
       </dgm:prSet>
       <dgm:spPr/>
+      <dgm:t>
+        <a:bodyPr/>
+        <a:lstStyle/>
+        <a:p>
+          <a:endParaRPr lang="es-ES"/>
+        </a:p>
+      </dgm:t>
     </dgm:pt>
     <dgm:pt modelId="{27FA8A20-CFB5-4C02-BE99-848A72F99F2F}" type="pres">
       <dgm:prSet presAssocID="{2D881FD0-21E8-4316-BA46-201099DD1696}" presName="spacer" presStyleCnt="0"/>
@@ -1291,6 +1319,13 @@
         </dgm:presLayoutVars>
       </dgm:prSet>
       <dgm:spPr/>
+      <dgm:t>
+        <a:bodyPr/>
+        <a:lstStyle/>
+        <a:p>
+          <a:endParaRPr lang="es-ES"/>
+        </a:p>
+      </dgm:t>
     </dgm:pt>
     <dgm:pt modelId="{3B464524-4CF0-46A5-98D5-EC21CB408EC3}" type="pres">
       <dgm:prSet presAssocID="{432F8A22-B261-4408-919F-85C2A6CD6EE5}" presName="childText" presStyleLbl="revTx" presStyleIdx="0" presStyleCnt="1">
@@ -1299,20 +1334,27 @@
         </dgm:presLayoutVars>
       </dgm:prSet>
       <dgm:spPr/>
+      <dgm:t>
+        <a:bodyPr/>
+        <a:lstStyle/>
+        <a:p>
+          <a:endParaRPr lang="es-ES"/>
+        </a:p>
+      </dgm:t>
     </dgm:pt>
   </dgm:ptLst>
   <dgm:cxnLst>
+    <dgm:cxn modelId="{73725B59-B018-412C-98F6-E23A09322FE7}" type="presOf" srcId="{C366E401-F7BD-47FE-90D7-CD004349363D}" destId="{040B8115-4B76-4BD7-A2B3-C68D3667A132}" srcOrd="0" destOrd="0" presId="urn:microsoft.com/office/officeart/2005/8/layout/vList2"/>
+    <dgm:cxn modelId="{CBA465B8-FBDF-4024-ABDC-4011FD4A2E26}" type="presOf" srcId="{AC0F78BA-68B6-41F4-80B3-6A3C6B3CDD8C}" destId="{3B464524-4CF0-46A5-98D5-EC21CB408EC3}" srcOrd="0" destOrd="0" presId="urn:microsoft.com/office/officeart/2005/8/layout/vList2"/>
+    <dgm:cxn modelId="{EF56D213-674B-4CC0-84F8-3DD0595CF434}" srcId="{568381E4-BD4A-4F76-B122-74DD9EDF46A1}" destId="{C366E401-F7BD-47FE-90D7-CD004349363D}" srcOrd="0" destOrd="0" parTransId="{0BF1899A-530A-4752-A5CF-492163F6DBB6}" sibTransId="{542B0EF0-C5EC-4974-9EF6-C63E349B14CC}"/>
+    <dgm:cxn modelId="{E1FC56FC-B96C-40C0-B857-748F36594B77}" type="presOf" srcId="{28923B78-65CE-4E59-80F0-86F4C2530221}" destId="{2441AFBA-8A79-4A76-827D-489CB7924919}" srcOrd="0" destOrd="0" presId="urn:microsoft.com/office/officeart/2005/8/layout/vList2"/>
+    <dgm:cxn modelId="{24B06699-7E31-4F2A-B794-91B1E205DBFB}" type="presOf" srcId="{432F8A22-B261-4408-919F-85C2A6CD6EE5}" destId="{1B50D7D3-F04A-4AE4-8C0A-9372889C5987}" srcOrd="0" destOrd="0" presId="urn:microsoft.com/office/officeart/2005/8/layout/vList2"/>
+    <dgm:cxn modelId="{99CDC5DF-9790-4797-B90F-D7C93EBFF431}" srcId="{568381E4-BD4A-4F76-B122-74DD9EDF46A1}" destId="{432F8A22-B261-4408-919F-85C2A6CD6EE5}" srcOrd="3" destOrd="0" parTransId="{2420FCFD-379A-4738-A03D-D50F4117CFA6}" sibTransId="{DA90A1E6-9F9C-4D7A-840D-3E6F96C5FCA9}"/>
+    <dgm:cxn modelId="{DF92F8DB-29BE-434B-AE56-C6B91BFC0B40}" type="presOf" srcId="{568381E4-BD4A-4F76-B122-74DD9EDF46A1}" destId="{A4092E37-8200-4D24-A498-3AE1F2B18B6F}" srcOrd="0" destOrd="0" presId="urn:microsoft.com/office/officeart/2005/8/layout/vList2"/>
     <dgm:cxn modelId="{42DB7A0B-18DE-4D5F-8588-974A8664AA02}" srcId="{432F8A22-B261-4408-919F-85C2A6CD6EE5}" destId="{AC0F78BA-68B6-41F4-80B3-6A3C6B3CDD8C}" srcOrd="0" destOrd="0" parTransId="{6265CA23-64BF-4C7E-B1F8-DA0D0CCA5D1E}" sibTransId="{200724B2-43E0-44D6-9B7A-A22D9E88A288}"/>
-    <dgm:cxn modelId="{EF56D213-674B-4CC0-84F8-3DD0595CF434}" srcId="{568381E4-BD4A-4F76-B122-74DD9EDF46A1}" destId="{C366E401-F7BD-47FE-90D7-CD004349363D}" srcOrd="0" destOrd="0" parTransId="{0BF1899A-530A-4752-A5CF-492163F6DBB6}" sibTransId="{542B0EF0-C5EC-4974-9EF6-C63E349B14CC}"/>
+    <dgm:cxn modelId="{AB81B04B-22D4-42F1-8D74-AD029BD7878C}" type="presOf" srcId="{B1173742-6E6D-426C-BEA9-ED07942DE110}" destId="{D71E4403-F493-470F-B501-AA99653E8FDB}" srcOrd="0" destOrd="0" presId="urn:microsoft.com/office/officeart/2005/8/layout/vList2"/>
     <dgm:cxn modelId="{BAA3ED67-635C-477A-9B76-D52C7384DB1D}" srcId="{568381E4-BD4A-4F76-B122-74DD9EDF46A1}" destId="{28923B78-65CE-4E59-80F0-86F4C2530221}" srcOrd="1" destOrd="0" parTransId="{143B723C-6E87-4CD1-B61B-B91FE0DF7325}" sibTransId="{0F940376-4FB9-49B7-9A8C-45A2BF1F7750}"/>
-    <dgm:cxn modelId="{AB81B04B-22D4-42F1-8D74-AD029BD7878C}" type="presOf" srcId="{B1173742-6E6D-426C-BEA9-ED07942DE110}" destId="{D71E4403-F493-470F-B501-AA99653E8FDB}" srcOrd="0" destOrd="0" presId="urn:microsoft.com/office/officeart/2005/8/layout/vList2"/>
-    <dgm:cxn modelId="{73725B59-B018-412C-98F6-E23A09322FE7}" type="presOf" srcId="{C366E401-F7BD-47FE-90D7-CD004349363D}" destId="{040B8115-4B76-4BD7-A2B3-C68D3667A132}" srcOrd="0" destOrd="0" presId="urn:microsoft.com/office/officeart/2005/8/layout/vList2"/>
     <dgm:cxn modelId="{CDBDB85A-DE07-4641-A0CE-735FFA54A286}" srcId="{568381E4-BD4A-4F76-B122-74DD9EDF46A1}" destId="{B1173742-6E6D-426C-BEA9-ED07942DE110}" srcOrd="2" destOrd="0" parTransId="{2F4E09C9-299D-48F3-8541-411ED08C30A5}" sibTransId="{2D881FD0-21E8-4316-BA46-201099DD1696}"/>
-    <dgm:cxn modelId="{24B06699-7E31-4F2A-B794-91B1E205DBFB}" type="presOf" srcId="{432F8A22-B261-4408-919F-85C2A6CD6EE5}" destId="{1B50D7D3-F04A-4AE4-8C0A-9372889C5987}" srcOrd="0" destOrd="0" presId="urn:microsoft.com/office/officeart/2005/8/layout/vList2"/>
-    <dgm:cxn modelId="{CBA465B8-FBDF-4024-ABDC-4011FD4A2E26}" type="presOf" srcId="{AC0F78BA-68B6-41F4-80B3-6A3C6B3CDD8C}" destId="{3B464524-4CF0-46A5-98D5-EC21CB408EC3}" srcOrd="0" destOrd="0" presId="urn:microsoft.com/office/officeart/2005/8/layout/vList2"/>
-    <dgm:cxn modelId="{DF92F8DB-29BE-434B-AE56-C6B91BFC0B40}" type="presOf" srcId="{568381E4-BD4A-4F76-B122-74DD9EDF46A1}" destId="{A4092E37-8200-4D24-A498-3AE1F2B18B6F}" srcOrd="0" destOrd="0" presId="urn:microsoft.com/office/officeart/2005/8/layout/vList2"/>
-    <dgm:cxn modelId="{99CDC5DF-9790-4797-B90F-D7C93EBFF431}" srcId="{568381E4-BD4A-4F76-B122-74DD9EDF46A1}" destId="{432F8A22-B261-4408-919F-85C2A6CD6EE5}" srcOrd="3" destOrd="0" parTransId="{2420FCFD-379A-4738-A03D-D50F4117CFA6}" sibTransId="{DA90A1E6-9F9C-4D7A-840D-3E6F96C5FCA9}"/>
-    <dgm:cxn modelId="{E1FC56FC-B96C-40C0-B857-748F36594B77}" type="presOf" srcId="{28923B78-65CE-4E59-80F0-86F4C2530221}" destId="{2441AFBA-8A79-4A76-827D-489CB7924919}" srcOrd="0" destOrd="0" presId="urn:microsoft.com/office/officeart/2005/8/layout/vList2"/>
     <dgm:cxn modelId="{EC016BF9-87CF-4ECD-90AB-11F7699F2B14}" type="presParOf" srcId="{A4092E37-8200-4D24-A498-3AE1F2B18B6F}" destId="{040B8115-4B76-4BD7-A2B3-C68D3667A132}" srcOrd="0" destOrd="0" presId="urn:microsoft.com/office/officeart/2005/8/layout/vList2"/>
     <dgm:cxn modelId="{9EE15522-F6A1-43E3-B7C4-84DA524BE452}" type="presParOf" srcId="{A4092E37-8200-4D24-A498-3AE1F2B18B6F}" destId="{E1627D40-3CF6-42E5-A057-95A870E85542}" srcOrd="1" destOrd="0" presId="urn:microsoft.com/office/officeart/2005/8/layout/vList2"/>
     <dgm:cxn modelId="{2D4485B0-A70B-4AD2-BB3B-E65D64D68E8D}" type="presParOf" srcId="{A4092E37-8200-4D24-A498-3AE1F2B18B6F}" destId="{2441AFBA-8A79-4A76-827D-489CB7924919}" srcOrd="2" destOrd="0" presId="urn:microsoft.com/office/officeart/2005/8/layout/vList2"/>
@@ -1395,7 +1437,7 @@
         </a:bodyPr>
         <a:lstStyle/>
         <a:p>
-          <a:pPr marL="0" lvl="0" indent="0" algn="l" defTabSz="711200">
+          <a:pPr lvl="0" algn="l" defTabSz="711200">
             <a:lnSpc>
               <a:spcPct val="90000"/>
             </a:lnSpc>
@@ -1405,7 +1447,6 @@
             <a:spcAft>
               <a:spcPct val="35000"/>
             </a:spcAft>
-            <a:buNone/>
           </a:pPr>
           <a:r>
             <a:rPr lang="es-MX" sz="1600" kern="1200"/>
@@ -1490,7 +1531,7 @@
         </a:bodyPr>
         <a:lstStyle/>
         <a:p>
-          <a:pPr marL="0" lvl="0" indent="0" algn="l" defTabSz="711200">
+          <a:pPr lvl="0" algn="l" defTabSz="711200">
             <a:lnSpc>
               <a:spcPct val="90000"/>
             </a:lnSpc>
@@ -1500,7 +1541,6 @@
             <a:spcAft>
               <a:spcPct val="35000"/>
             </a:spcAft>
-            <a:buNone/>
           </a:pPr>
           <a:r>
             <a:rPr lang="es-MX" sz="1600" kern="1200"/>
@@ -1585,7 +1625,7 @@
         </a:bodyPr>
         <a:lstStyle/>
         <a:p>
-          <a:pPr marL="0" lvl="0" indent="0" algn="l" defTabSz="711200">
+          <a:pPr lvl="0" algn="l" defTabSz="711200">
             <a:lnSpc>
               <a:spcPct val="90000"/>
             </a:lnSpc>
@@ -1595,7 +1635,6 @@
             <a:spcAft>
               <a:spcPct val="35000"/>
             </a:spcAft>
-            <a:buNone/>
           </a:pPr>
           <a:r>
             <a:rPr lang="es-MX" sz="1600" kern="1200"/>
@@ -1680,7 +1719,7 @@
         </a:bodyPr>
         <a:lstStyle/>
         <a:p>
-          <a:pPr marL="0" lvl="0" indent="0" algn="l" defTabSz="711200">
+          <a:pPr lvl="0" algn="l" defTabSz="711200">
             <a:lnSpc>
               <a:spcPct val="90000"/>
             </a:lnSpc>
@@ -1690,7 +1729,6 @@
             <a:spcAft>
               <a:spcPct val="35000"/>
             </a:spcAft>
-            <a:buNone/>
           </a:pPr>
           <a:r>
             <a:rPr lang="es-MX" sz="1600" kern="1200" dirty="0"/>
@@ -1730,7 +1768,7 @@
           </a:r>
         </a:p>
         <a:p>
-          <a:pPr marL="0" lvl="0" indent="0" algn="ctr" defTabSz="711200">
+          <a:pPr lvl="0" algn="ctr" defTabSz="711200">
             <a:lnSpc>
               <a:spcPct val="90000"/>
             </a:lnSpc>
@@ -1740,7 +1778,6 @@
             <a:spcAft>
               <a:spcPct val="35000"/>
             </a:spcAft>
-            <a:buNone/>
           </a:pPr>
           <a:r>
             <a:rPr lang="es-MX" sz="1600" kern="1200" dirty="0" err="1"/>
@@ -1761,7 +1798,7 @@
           <a:endParaRPr lang="en-US" sz="1600" kern="1200" dirty="0"/>
         </a:p>
         <a:p>
-          <a:pPr marL="0" lvl="0" indent="0" algn="ctr" defTabSz="711200">
+          <a:pPr lvl="0" algn="ctr" defTabSz="711200">
             <a:lnSpc>
               <a:spcPct val="90000"/>
             </a:lnSpc>
@@ -1771,7 +1808,6 @@
             <a:spcAft>
               <a:spcPct val="35000"/>
             </a:spcAft>
-            <a:buNone/>
           </a:pPr>
           <a:r>
             <a:rPr lang="es-MX" sz="1600" kern="1200" dirty="0" err="1"/>
@@ -1844,7 +1880,7 @@
             <a:spcAft>
               <a:spcPct val="20000"/>
             </a:spcAft>
-            <a:buChar char="•"/>
+            <a:buChar char="••"/>
           </a:pPr>
           <a:endParaRPr lang="en-US" sz="1200" kern="1200" dirty="0"/>
         </a:p>
@@ -3141,7 +3177,7 @@
           <a:p>
             <a:fld id="{FA10851A-3F3E-4165-804F-B667F171FDAA}" type="datetimeFigureOut">
               <a:rPr lang="en-US" smtClean="0"/>
-              <a:t>7/3/2019</a:t>
+              <a:t>7/8/2019</a:t>
             </a:fld>
             <a:endParaRPr lang="en-US"/>
           </a:p>
@@ -3300,7 +3336,7 @@
           <a:p>
             <a:fld id="{FFE43DF2-D420-41A5-9827-8F03A200AA7C}" type="slidenum">
               <a:rPr lang="en-US" smtClean="0"/>
-              <a:t>‹#›</a:t>
+              <a:t>‹Nº›</a:t>
             </a:fld>
             <a:endParaRPr lang="en-US"/>
           </a:p>
@@ -6191,7 +6227,7 @@
           <a:p>
             <a:fld id="{D6FE8693-BDFF-4506-A475-4DDEA5915469}" type="datetimeFigureOut">
               <a:rPr lang="en-US" smtClean="0"/>
-              <a:t>7/3/2019</a:t>
+              <a:t>7/8/2019</a:t>
             </a:fld>
             <a:endParaRPr lang="en-US"/>
           </a:p>
@@ -6233,7 +6269,7 @@
           <a:p>
             <a:fld id="{79983821-169F-493A-A182-E29A068C6D0C}" type="slidenum">
               <a:rPr lang="en-US" smtClean="0"/>
-              <a:t>‹#›</a:t>
+              <a:t>‹Nº›</a:t>
             </a:fld>
             <a:endParaRPr lang="en-US"/>
           </a:p>
@@ -6361,7 +6397,7 @@
           <a:p>
             <a:fld id="{D6FE8693-BDFF-4506-A475-4DDEA5915469}" type="datetimeFigureOut">
               <a:rPr lang="en-US" smtClean="0"/>
-              <a:t>7/3/2019</a:t>
+              <a:t>7/8/2019</a:t>
             </a:fld>
             <a:endParaRPr lang="en-US"/>
           </a:p>
@@ -6403,7 +6439,7 @@
           <a:p>
             <a:fld id="{79983821-169F-493A-A182-E29A068C6D0C}" type="slidenum">
               <a:rPr lang="en-US" smtClean="0"/>
-              <a:t>‹#›</a:t>
+              <a:t>‹Nº›</a:t>
             </a:fld>
             <a:endParaRPr lang="en-US"/>
           </a:p>
@@ -6541,7 +6577,7 @@
           <a:p>
             <a:fld id="{D6FE8693-BDFF-4506-A475-4DDEA5915469}" type="datetimeFigureOut">
               <a:rPr lang="en-US" smtClean="0"/>
-              <a:t>7/3/2019</a:t>
+              <a:t>7/8/2019</a:t>
             </a:fld>
             <a:endParaRPr lang="en-US"/>
           </a:p>
@@ -6583,7 +6619,7 @@
           <a:p>
             <a:fld id="{79983821-169F-493A-A182-E29A068C6D0C}" type="slidenum">
               <a:rPr lang="en-US" smtClean="0"/>
-              <a:t>‹#›</a:t>
+              <a:t>‹Nº›</a:t>
             </a:fld>
             <a:endParaRPr lang="en-US"/>
           </a:p>
@@ -6711,7 +6747,7 @@
           <a:p>
             <a:fld id="{D6FE8693-BDFF-4506-A475-4DDEA5915469}" type="datetimeFigureOut">
               <a:rPr lang="en-US" smtClean="0"/>
-              <a:t>7/3/2019</a:t>
+              <a:t>7/8/2019</a:t>
             </a:fld>
             <a:endParaRPr lang="en-US"/>
           </a:p>
@@ -6753,7 +6789,7 @@
           <a:p>
             <a:fld id="{79983821-169F-493A-A182-E29A068C6D0C}" type="slidenum">
               <a:rPr lang="en-US" smtClean="0"/>
-              <a:t>‹#›</a:t>
+              <a:t>‹Nº›</a:t>
             </a:fld>
             <a:endParaRPr lang="en-US"/>
           </a:p>
@@ -6955,7 +6991,7 @@
           <a:p>
             <a:fld id="{D6FE8693-BDFF-4506-A475-4DDEA5915469}" type="datetimeFigureOut">
               <a:rPr lang="en-US" smtClean="0"/>
-              <a:t>7/3/2019</a:t>
+              <a:t>7/8/2019</a:t>
             </a:fld>
             <a:endParaRPr lang="en-US"/>
           </a:p>
@@ -6997,7 +7033,7 @@
           <a:p>
             <a:fld id="{79983821-169F-493A-A182-E29A068C6D0C}" type="slidenum">
               <a:rPr lang="en-US" smtClean="0"/>
-              <a:t>‹#›</a:t>
+              <a:t>‹Nº›</a:t>
             </a:fld>
             <a:endParaRPr lang="en-US"/>
           </a:p>
@@ -7187,7 +7223,7 @@
           <a:p>
             <a:fld id="{D6FE8693-BDFF-4506-A475-4DDEA5915469}" type="datetimeFigureOut">
               <a:rPr lang="en-US" smtClean="0"/>
-              <a:t>7/3/2019</a:t>
+              <a:t>7/8/2019</a:t>
             </a:fld>
             <a:endParaRPr lang="en-US"/>
           </a:p>
@@ -7229,7 +7265,7 @@
           <a:p>
             <a:fld id="{79983821-169F-493A-A182-E29A068C6D0C}" type="slidenum">
               <a:rPr lang="en-US" smtClean="0"/>
-              <a:t>‹#›</a:t>
+              <a:t>‹Nº›</a:t>
             </a:fld>
             <a:endParaRPr lang="en-US"/>
           </a:p>
@@ -7554,7 +7590,7 @@
           <a:p>
             <a:fld id="{D6FE8693-BDFF-4506-A475-4DDEA5915469}" type="datetimeFigureOut">
               <a:rPr lang="en-US" smtClean="0"/>
-              <a:t>7/3/2019</a:t>
+              <a:t>7/8/2019</a:t>
             </a:fld>
             <a:endParaRPr lang="en-US"/>
           </a:p>
@@ -7596,7 +7632,7 @@
           <a:p>
             <a:fld id="{79983821-169F-493A-A182-E29A068C6D0C}" type="slidenum">
               <a:rPr lang="en-US" smtClean="0"/>
-              <a:t>‹#›</a:t>
+              <a:t>‹Nº›</a:t>
             </a:fld>
             <a:endParaRPr lang="en-US"/>
           </a:p>
@@ -7672,7 +7708,7 @@
           <a:p>
             <a:fld id="{D6FE8693-BDFF-4506-A475-4DDEA5915469}" type="datetimeFigureOut">
               <a:rPr lang="en-US" smtClean="0"/>
-              <a:t>7/3/2019</a:t>
+              <a:t>7/8/2019</a:t>
             </a:fld>
             <a:endParaRPr lang="en-US"/>
           </a:p>
@@ -7714,7 +7750,7 @@
           <a:p>
             <a:fld id="{79983821-169F-493A-A182-E29A068C6D0C}" type="slidenum">
               <a:rPr lang="en-US" smtClean="0"/>
-              <a:t>‹#›</a:t>
+              <a:t>‹Nº›</a:t>
             </a:fld>
             <a:endParaRPr lang="en-US"/>
           </a:p>
@@ -7767,7 +7803,7 @@
           <a:p>
             <a:fld id="{D6FE8693-BDFF-4506-A475-4DDEA5915469}" type="datetimeFigureOut">
               <a:rPr lang="en-US" smtClean="0"/>
-              <a:t>7/3/2019</a:t>
+              <a:t>7/8/2019</a:t>
             </a:fld>
             <a:endParaRPr lang="en-US"/>
           </a:p>
@@ -7809,7 +7845,7 @@
           <a:p>
             <a:fld id="{79983821-169F-493A-A182-E29A068C6D0C}" type="slidenum">
               <a:rPr lang="en-US" smtClean="0"/>
-              <a:t>‹#›</a:t>
+              <a:t>‹Nº›</a:t>
             </a:fld>
             <a:endParaRPr lang="en-US"/>
           </a:p>
@@ -8044,7 +8080,7 @@
           <a:p>
             <a:fld id="{D6FE8693-BDFF-4506-A475-4DDEA5915469}" type="datetimeFigureOut">
               <a:rPr lang="en-US" smtClean="0"/>
-              <a:t>7/3/2019</a:t>
+              <a:t>7/8/2019</a:t>
             </a:fld>
             <a:endParaRPr lang="en-US"/>
           </a:p>
@@ -8086,7 +8122,7 @@
           <a:p>
             <a:fld id="{79983821-169F-493A-A182-E29A068C6D0C}" type="slidenum">
               <a:rPr lang="en-US" smtClean="0"/>
-              <a:t>‹#›</a:t>
+              <a:t>‹Nº›</a:t>
             </a:fld>
             <a:endParaRPr lang="en-US"/>
           </a:p>
@@ -8301,7 +8337,7 @@
           <a:p>
             <a:fld id="{D6FE8693-BDFF-4506-A475-4DDEA5915469}" type="datetimeFigureOut">
               <a:rPr lang="en-US" smtClean="0"/>
-              <a:t>7/3/2019</a:t>
+              <a:t>7/8/2019</a:t>
             </a:fld>
             <a:endParaRPr lang="en-US"/>
           </a:p>
@@ -8343,7 +8379,7 @@
           <a:p>
             <a:fld id="{79983821-169F-493A-A182-E29A068C6D0C}" type="slidenum">
               <a:rPr lang="en-US" smtClean="0"/>
-              <a:t>‹#›</a:t>
+              <a:t>‹Nº›</a:t>
             </a:fld>
             <a:endParaRPr lang="en-US"/>
           </a:p>
@@ -8514,7 +8550,7 @@
           <a:p>
             <a:fld id="{D6FE8693-BDFF-4506-A475-4DDEA5915469}" type="datetimeFigureOut">
               <a:rPr lang="en-US" smtClean="0"/>
-              <a:t>7/3/2019</a:t>
+              <a:t>7/8/2019</a:t>
             </a:fld>
             <a:endParaRPr lang="en-US"/>
           </a:p>
@@ -8592,7 +8628,7 @@
           <a:p>
             <a:fld id="{79983821-169F-493A-A182-E29A068C6D0C}" type="slidenum">
               <a:rPr lang="en-US" smtClean="0"/>
-              <a:t>‹#›</a:t>
+              <a:t>‹Nº›</a:t>
             </a:fld>
             <a:endParaRPr lang="en-US"/>
           </a:p>
@@ -8935,7 +8971,7 @@
                 <a16:creationId xmlns:a16="http://schemas.microsoft.com/office/drawing/2014/main" id="{559AE206-7EBA-4D33-8BC9-9D8158553F0E}"/>
               </a:ext>
               <a:ext uri="{C183D7F6-B498-43B3-948B-1728B52AA6E4}">
-                <adec:decorative xmlns:adec="http://schemas.microsoft.com/office/drawing/2017/decorative" val="1"/>
+                <adec:decorative xmlns:adec="http://schemas.microsoft.com/office/drawing/2017/decorative" xmlns="" val="1"/>
               </a:ext>
             </a:extLst>
           </p:cNvPr>
@@ -9064,7 +9100,7 @@
                 <a16:creationId xmlns:a16="http://schemas.microsoft.com/office/drawing/2014/main" id="{6437D937-A7F1-4011-92B4-328E5BE1B166}"/>
               </a:ext>
               <a:ext uri="{C183D7F6-B498-43B3-948B-1728B52AA6E4}">
-                <adec:decorative xmlns:adec="http://schemas.microsoft.com/office/drawing/2017/decorative" val="1"/>
+                <adec:decorative xmlns:adec="http://schemas.microsoft.com/office/drawing/2017/decorative" xmlns="" val="1"/>
               </a:ext>
             </a:extLst>
           </p:cNvPr>
@@ -9134,7 +9170,7 @@
                 <a16:creationId xmlns:a16="http://schemas.microsoft.com/office/drawing/2014/main" id="{B672F332-AF08-46C6-94F0-77684310D7B7}"/>
               </a:ext>
               <a:ext uri="{C183D7F6-B498-43B3-948B-1728B52AA6E4}">
-                <adec:decorative xmlns:adec="http://schemas.microsoft.com/office/drawing/2017/decorative" val="1"/>
+                <adec:decorative xmlns:adec="http://schemas.microsoft.com/office/drawing/2017/decorative" xmlns="" val="1"/>
               </a:ext>
             </a:extLst>
           </p:cNvPr>
@@ -9204,7 +9240,7 @@
                 <a16:creationId xmlns:a16="http://schemas.microsoft.com/office/drawing/2014/main" id="{34244EF8-D73A-40E1-BE73-D46E6B4B04ED}"/>
               </a:ext>
               <a:ext uri="{C183D7F6-B498-43B3-948B-1728B52AA6E4}">
-                <adec:decorative xmlns:adec="http://schemas.microsoft.com/office/drawing/2017/decorative" val="1"/>
+                <adec:decorative xmlns:adec="http://schemas.microsoft.com/office/drawing/2017/decorative" xmlns="" val="1"/>
               </a:ext>
             </a:extLst>
           </p:cNvPr>
@@ -9274,7 +9310,7 @@
                 <a16:creationId xmlns:a16="http://schemas.microsoft.com/office/drawing/2014/main" id="{AB84D7E8-4ECB-42D7-ADBF-01689B0F24AE}"/>
               </a:ext>
               <a:ext uri="{C183D7F6-B498-43B3-948B-1728B52AA6E4}">
-                <adec:decorative xmlns:adec="http://schemas.microsoft.com/office/drawing/2017/decorative" val="1"/>
+                <adec:decorative xmlns:adec="http://schemas.microsoft.com/office/drawing/2017/decorative" xmlns="" val="1"/>
               </a:ext>
             </a:extLst>
           </p:cNvPr>
@@ -9407,7 +9443,7 @@
                 <a16:creationId xmlns:a16="http://schemas.microsoft.com/office/drawing/2014/main" id="{9E8E38ED-369A-44C2-B635-0BED0E48A6E8}"/>
               </a:ext>
               <a:ext uri="{C183D7F6-B498-43B3-948B-1728B52AA6E4}">
-                <adec:decorative xmlns:adec="http://schemas.microsoft.com/office/drawing/2017/decorative" val="1"/>
+                <adec:decorative xmlns:adec="http://schemas.microsoft.com/office/drawing/2017/decorative" xmlns="" val="1"/>
               </a:ext>
             </a:extLst>
           </p:cNvPr>
@@ -14587,7 +14623,7 @@
                 <a16:creationId xmlns:a16="http://schemas.microsoft.com/office/drawing/2014/main" id="{32BC26D8-82FB-445E-AA49-62A77D7C1EE0}"/>
               </a:ext>
               <a:ext uri="{C183D7F6-B498-43B3-948B-1728B52AA6E4}">
-                <adec:decorative xmlns:adec="http://schemas.microsoft.com/office/drawing/2017/decorative" val="1"/>
+                <adec:decorative xmlns:adec="http://schemas.microsoft.com/office/drawing/2017/decorative" xmlns="" val="1"/>
               </a:ext>
             </a:extLst>
           </p:cNvPr>
@@ -14650,7 +14686,7 @@
                 <a16:creationId xmlns:a16="http://schemas.microsoft.com/office/drawing/2014/main" id="{CB44330D-EA18-4254-AA95-EB49948539B8}"/>
               </a:ext>
               <a:ext uri="{C183D7F6-B498-43B3-948B-1728B52AA6E4}">
-                <adec:decorative xmlns:adec="http://schemas.microsoft.com/office/drawing/2017/decorative" val="1"/>
+                <adec:decorative xmlns:adec="http://schemas.microsoft.com/office/drawing/2017/decorative" xmlns="" val="1"/>
               </a:ext>
             </a:extLst>
           </p:cNvPr>
@@ -15059,12 +15095,40 @@
           <a:lstStyle/>
           <a:p>
             <a:r>
+              <a:rPr lang="es-MX" sz="2400" dirty="0" err="1">
+                <a:solidFill>
+                  <a:srgbClr val="00B050"/>
+                </a:solidFill>
+              </a:rPr>
+              <a:t>Math</a:t>
+            </a:r>
+            <a:r>
               <a:rPr lang="es-MX" sz="2400" dirty="0" err="1"/>
-              <a:t>Math.floor</a:t>
+              <a:t>.</a:t>
+            </a:r>
+            <a:r>
+              <a:rPr lang="es-MX" sz="2400" dirty="0" err="1">
+                <a:solidFill>
+                  <a:srgbClr val="FFC000"/>
+                </a:solidFill>
+              </a:rPr>
+              <a:t>floor</a:t>
             </a:r>
             <a:r>
               <a:rPr lang="es-MX" sz="2400" dirty="0"/>
-              <a:t>(numero) -&gt; </a:t>
+              <a:t>(</a:t>
+            </a:r>
+            <a:r>
+              <a:rPr lang="es-MX" sz="2400" i="1" dirty="0">
+                <a:solidFill>
+                  <a:srgbClr val="00B0F0"/>
+                </a:solidFill>
+              </a:rPr>
+              <a:t>numero</a:t>
+            </a:r>
+            <a:r>
+              <a:rPr lang="es-MX" sz="2400" dirty="0"/>
+              <a:t>) -&gt; </a:t>
             </a:r>
             <a:r>
               <a:rPr lang="es-AR" sz="2400" dirty="0"/>
@@ -15080,28 +15144,92 @@
               <a:buNone/>
             </a:pPr>
             <a:r>
+              <a:rPr lang="es-AR" b="1" dirty="0" err="1">
+                <a:solidFill>
+                  <a:srgbClr val="00B050"/>
+                </a:solidFill>
+              </a:rPr>
+              <a:t>Math</a:t>
+            </a:r>
+            <a:r>
               <a:rPr lang="es-AR" b="1" dirty="0" err="1"/>
-              <a:t>Math.floor</a:t>
+              <a:t>.</a:t>
+            </a:r>
+            <a:r>
+              <a:rPr lang="es-AR" b="1" dirty="0" err="1">
+                <a:solidFill>
+                  <a:srgbClr val="FFC000"/>
+                </a:solidFill>
+              </a:rPr>
+              <a:t>floor</a:t>
             </a:r>
             <a:r>
               <a:rPr lang="es-AR" b="1" dirty="0"/>
               <a:t>(</a:t>
             </a:r>
             <a:r>
+              <a:rPr lang="es-AR" b="1" dirty="0" err="1">
+                <a:solidFill>
+                  <a:srgbClr val="00B050"/>
+                </a:solidFill>
+              </a:rPr>
+              <a:t>Math</a:t>
+            </a:r>
+            <a:r>
               <a:rPr lang="es-AR" b="1" dirty="0" err="1"/>
-              <a:t>Math.random</a:t>
+              <a:t>.</a:t>
+            </a:r>
+            <a:r>
+              <a:rPr lang="es-AR" b="1" dirty="0" err="1">
+                <a:solidFill>
+                  <a:srgbClr val="FFC000"/>
+                </a:solidFill>
+              </a:rPr>
+              <a:t>random</a:t>
             </a:r>
             <a:r>
               <a:rPr lang="es-AR" b="1" dirty="0"/>
               <a:t>() * (</a:t>
             </a:r>
             <a:r>
-              <a:rPr lang="es-AR" b="1" dirty="0" err="1"/>
+              <a:rPr lang="es-AR" b="1" dirty="0" err="1">
+                <a:solidFill>
+                  <a:srgbClr val="FF0000"/>
+                </a:solidFill>
+              </a:rPr>
               <a:t>max</a:t>
             </a:r>
             <a:r>
               <a:rPr lang="es-AR" b="1" dirty="0"/>
-              <a:t> – min + 1) ) + min;</a:t>
+              <a:t> – </a:t>
+            </a:r>
+            <a:r>
+              <a:rPr lang="es-AR" b="1" dirty="0" smtClean="0">
+                <a:solidFill>
+                  <a:srgbClr val="7030A0"/>
+                </a:solidFill>
+              </a:rPr>
+              <a:t>min</a:t>
+            </a:r>
+            <a:r>
+              <a:rPr lang="es-AR" b="1" dirty="0" smtClean="0"/>
+              <a:t>) </a:t>
+            </a:r>
+            <a:r>
+              <a:rPr lang="es-AR" b="1" dirty="0"/>
+              <a:t>) + </a:t>
+            </a:r>
+            <a:r>
+              <a:rPr lang="es-AR" b="1" dirty="0">
+                <a:solidFill>
+                  <a:srgbClr val="7030A0"/>
+                </a:solidFill>
+              </a:rPr>
+              <a:t>min</a:t>
+            </a:r>
+            <a:r>
+              <a:rPr lang="es-AR" b="1" dirty="0" smtClean="0"/>
+              <a:t>;</a:t>
             </a:r>
           </a:p>
           <a:p>
@@ -15115,8 +15243,32 @@
               <a:buNone/>
             </a:pPr>
             <a:r>
+              <a:rPr lang="es-AR" dirty="0" smtClean="0"/>
+              <a:t>-&gt;</a:t>
+            </a:r>
+            <a:r>
+              <a:rPr lang="es-AR" b="1" dirty="0" smtClean="0"/>
+              <a:t> </a:t>
+            </a:r>
+            <a:r>
+              <a:rPr lang="es-AR" dirty="0" smtClean="0"/>
+              <a:t>Devuelve </a:t>
+            </a:r>
+            <a:r>
               <a:rPr lang="es-AR" dirty="0"/>
-              <a:t>Devuelve un numero entero aleatorio entre min (mínimo </a:t>
+              <a:t>un </a:t>
+            </a:r>
+            <a:r>
+              <a:rPr lang="es-AR" dirty="0" smtClean="0"/>
+              <a:t>número </a:t>
+            </a:r>
+            <a:r>
+              <a:rPr lang="es-AR" u="sng" dirty="0"/>
+              <a:t>entero</a:t>
+            </a:r>
+            <a:r>
+              <a:rPr lang="es-AR" dirty="0"/>
+              <a:t> aleatorio entre min (mínimo </a:t>
             </a:r>
             <a:r>
               <a:rPr lang="es-AR" u="sng" dirty="0"/>
@@ -15135,13 +15287,14 @@
               <a:t> (máximo </a:t>
             </a:r>
             <a:r>
-              <a:rPr lang="es-AR" u="sng" dirty="0"/>
-              <a:t>incluido</a:t>
-            </a:r>
-            <a:r>
-              <a:rPr lang="es-AR" dirty="0"/>
+              <a:rPr lang="es-AR" u="sng" dirty="0" smtClean="0"/>
+              <a:t>excluido</a:t>
+            </a:r>
+            <a:r>
+              <a:rPr lang="es-AR" dirty="0" smtClean="0"/>
               <a:t>)</a:t>
             </a:r>
+            <a:endParaRPr lang="es-AR" dirty="0"/>
           </a:p>
           <a:p>
             <a:pPr marL="0" indent="0" algn="ctr">
@@ -15158,29 +15311,122 @@
               <a:t>Ej. </a:t>
             </a:r>
             <a:r>
+              <a:rPr lang="es-AR" dirty="0" err="1">
+                <a:solidFill>
+                  <a:srgbClr val="00B050"/>
+                </a:solidFill>
+              </a:rPr>
+              <a:t>Math</a:t>
+            </a:r>
+            <a:r>
               <a:rPr lang="es-AR" dirty="0" err="1"/>
-              <a:t>Math.floor</a:t>
+              <a:t>.</a:t>
+            </a:r>
+            <a:r>
+              <a:rPr lang="es-AR" dirty="0" err="1">
+                <a:solidFill>
+                  <a:srgbClr val="FFC000"/>
+                </a:solidFill>
+              </a:rPr>
+              <a:t>floor</a:t>
             </a:r>
             <a:r>
               <a:rPr lang="es-AR" dirty="0"/>
               <a:t>(</a:t>
             </a:r>
             <a:r>
+              <a:rPr lang="es-AR" dirty="0" err="1">
+                <a:solidFill>
+                  <a:srgbClr val="00B050"/>
+                </a:solidFill>
+              </a:rPr>
+              <a:t>Math</a:t>
+            </a:r>
+            <a:r>
               <a:rPr lang="es-AR" dirty="0" err="1"/>
-              <a:t>Math.random</a:t>
+              <a:t>.</a:t>
+            </a:r>
+            <a:r>
+              <a:rPr lang="es-AR" dirty="0" err="1">
+                <a:solidFill>
+                  <a:srgbClr val="FFC000"/>
+                </a:solidFill>
+              </a:rPr>
+              <a:t>random</a:t>
             </a:r>
             <a:r>
               <a:rPr lang="es-AR" dirty="0"/>
-              <a:t>() * (100 – 9 + 1) ) + 9;</a:t>
-            </a:r>
+              <a:t>() * </a:t>
+            </a:r>
+            <a:r>
+              <a:rPr lang="es-AR" dirty="0" smtClean="0"/>
+              <a:t>(</a:t>
+            </a:r>
+            <a:r>
+              <a:rPr lang="es-AR" dirty="0" smtClean="0">
+                <a:solidFill>
+                  <a:srgbClr val="FF0000"/>
+                </a:solidFill>
+              </a:rPr>
+              <a:t>101</a:t>
+            </a:r>
+            <a:r>
+              <a:rPr lang="es-AR" dirty="0" smtClean="0"/>
+              <a:t> </a:t>
+            </a:r>
+            <a:r>
+              <a:rPr lang="es-AR" dirty="0"/>
+              <a:t>– </a:t>
+            </a:r>
+            <a:r>
+              <a:rPr lang="es-AR" dirty="0" smtClean="0">
+                <a:solidFill>
+                  <a:srgbClr val="7030A0"/>
+                </a:solidFill>
+              </a:rPr>
+              <a:t>9</a:t>
+            </a:r>
+            <a:r>
+              <a:rPr lang="es-AR" dirty="0" smtClean="0"/>
+              <a:t>) </a:t>
+            </a:r>
+            <a:r>
+              <a:rPr lang="es-AR" dirty="0"/>
+              <a:t>) + </a:t>
+            </a:r>
+            <a:r>
+              <a:rPr lang="es-AR" dirty="0" smtClean="0">
+                <a:solidFill>
+                  <a:srgbClr val="7030A0"/>
+                </a:solidFill>
+              </a:rPr>
+              <a:t>9</a:t>
+            </a:r>
+            <a:r>
+              <a:rPr lang="es-AR" dirty="0" smtClean="0"/>
+              <a:t>;</a:t>
+            </a:r>
+            <a:endParaRPr lang="es-AR" dirty="0"/>
           </a:p>
           <a:p>
             <a:pPr marL="0" indent="0" algn="ctr">
               <a:buNone/>
             </a:pPr>
             <a:r>
+              <a:rPr lang="es-MX" dirty="0" smtClean="0"/>
+              <a:t>-&gt; Retorna </a:t>
+            </a:r>
+            <a:r>
               <a:rPr lang="es-MX" dirty="0"/>
-              <a:t>Retorna un entero aleatorio entre 9 y 100 incluidos.</a:t>
+              <a:t>un entero aleatorio entre 9 y 100 </a:t>
+            </a:r>
+            <a:r>
+              <a:rPr lang="es-MX" u="sng" dirty="0"/>
+              <a:t>incluidos</a:t>
+            </a:r>
+            <a:r>
+              <a:rPr lang="es-MX" dirty="0"/>
+              <a:t>.</a:t>
             </a:r>
           </a:p>
         </p:txBody>
@@ -15277,14 +15523,14 @@
             <a:pPr marL="0" indent="0">
               <a:buNone/>
             </a:pPr>
-            <a:endParaRPr lang="es-MX" sz="2400" dirty="0"/>
+            <a:endParaRPr lang="es-MX" sz="1050" dirty="0"/>
           </a:p>
           <a:p>
             <a:pPr marL="0" indent="0" algn="ctr">
               <a:buNone/>
             </a:pPr>
             <a:r>
-              <a:rPr lang="es-MX" sz="3600" b="1" dirty="0"/>
+              <a:rPr lang="es-MX" sz="4400" b="1" dirty="0"/>
               <a:t>! (P &amp;&amp; Q) ↔ (!P) || (!Q)</a:t>
             </a:r>
           </a:p>
@@ -15293,7 +15539,7 @@
               <a:buNone/>
             </a:pPr>
             <a:r>
-              <a:rPr lang="es-MX" sz="3600" b="1" dirty="0"/>
+              <a:rPr lang="es-MX" sz="4400" b="1" dirty="0"/>
               <a:t>! (P || Q) ↔ (!P) &amp;&amp; (!Q)</a:t>
             </a:r>
           </a:p>
@@ -15307,16 +15553,15 @@
           </p:cNvPicPr>
           <p:nvPr/>
         </p:nvPicPr>
-        <p:blipFill>
+        <p:blipFill rotWithShape="1">
           <a:blip r:embed="rId3"/>
-          <a:stretch>
-            <a:fillRect/>
-          </a:stretch>
+          <a:srcRect l="-221" t="-365" r="7295" b="365"/>
+          <a:stretch/>
         </p:blipFill>
         <p:spPr>
           <a:xfrm>
-            <a:off x="0" y="3771093"/>
-            <a:ext cx="4602997" cy="2784690"/>
+            <a:off x="1" y="3771093"/>
+            <a:ext cx="4277360" cy="2784690"/>
           </a:xfrm>
           <a:prstGeom prst="rect">
             <a:avLst/>
@@ -15339,8 +15584,8 @@
         </p:blipFill>
         <p:spPr>
           <a:xfrm>
-            <a:off x="4602997" y="3771093"/>
-            <a:ext cx="4541003" cy="2784690"/>
+            <a:off x="4389120" y="3771093"/>
+            <a:ext cx="4754880" cy="2784690"/>
           </a:xfrm>
           <a:prstGeom prst="rect">
             <a:avLst/>
@@ -15677,7 +15922,7 @@
                 <a16:creationId xmlns:a16="http://schemas.microsoft.com/office/drawing/2014/main" id="{A4AC5506-6312-4701-8D3C-40187889A947}"/>
               </a:ext>
               <a:ext uri="{C183D7F6-B498-43B3-948B-1728B52AA6E4}">
-                <adec:decorative xmlns:adec="http://schemas.microsoft.com/office/drawing/2017/decorative" val="1"/>
+                <adec:decorative xmlns:adec="http://schemas.microsoft.com/office/drawing/2017/decorative" xmlns="" val="1"/>
               </a:ext>
             </a:extLst>
           </p:cNvPr>
@@ -16924,7 +17169,7 @@
                 <a16:creationId xmlns:a16="http://schemas.microsoft.com/office/drawing/2014/main" id="{81AEB8A9-B768-4E30-BA55-D919E6687343}"/>
               </a:ext>
               <a:ext uri="{C183D7F6-B498-43B3-948B-1728B52AA6E4}">
-                <adec:decorative xmlns:adec="http://schemas.microsoft.com/office/drawing/2017/decorative" val="1"/>
+                <adec:decorative xmlns:adec="http://schemas.microsoft.com/office/drawing/2017/decorative" xmlns="" val="1"/>
               </a:ext>
             </a:extLst>
           </p:cNvPr>
@@ -17222,7 +17467,7 @@
                 <a16:creationId xmlns:a16="http://schemas.microsoft.com/office/drawing/2014/main" id="{8D70B121-56F4-4848-B38B-182089D909FA}"/>
               </a:ext>
               <a:ext uri="{C183D7F6-B498-43B3-948B-1728B52AA6E4}">
-                <adec:decorative xmlns:adec="http://schemas.microsoft.com/office/drawing/2017/decorative" val="1"/>
+                <adec:decorative xmlns:adec="http://schemas.microsoft.com/office/drawing/2017/decorative" xmlns="" val="1"/>
               </a:ext>
             </a:extLst>
           </p:cNvPr>
@@ -17326,7 +17571,7 @@
                 <a16:creationId xmlns:a16="http://schemas.microsoft.com/office/drawing/2014/main" id="{2D72A2C9-F3CA-4216-8BAD-FA4C970C3C4E}"/>
               </a:ext>
               <a:ext uri="{C183D7F6-B498-43B3-948B-1728B52AA6E4}">
-                <adec:decorative xmlns:adec="http://schemas.microsoft.com/office/drawing/2017/decorative" val="1"/>
+                <adec:decorative xmlns:adec="http://schemas.microsoft.com/office/drawing/2017/decorative" xmlns="" val="1"/>
               </a:ext>
             </a:extLst>
           </p:cNvPr>
@@ -18243,7 +18488,7 @@
                 <a16:creationId xmlns:a16="http://schemas.microsoft.com/office/drawing/2014/main" id="{46C2E80F-49A6-4372-B103-219D417A55ED}"/>
               </a:ext>
               <a:ext uri="{C183D7F6-B498-43B3-948B-1728B52AA6E4}">
-                <adec:decorative xmlns:adec="http://schemas.microsoft.com/office/drawing/2017/decorative" val="1"/>
+                <adec:decorative xmlns:adec="http://schemas.microsoft.com/office/drawing/2017/decorative" xmlns="" val="1"/>
               </a:ext>
             </a:extLst>
           </p:cNvPr>
